--- a/Docs/F0AM_GettingStarted.pptx
+++ b/Docs/F0AM_GettingStarted.pptx
@@ -210,7 +210,7 @@
           <a:p>
             <a:fld id="{0D0E4BAC-3DD1-405E-BEED-8A8717B3A760}" type="datetimeFigureOut">
               <a:rPr lang="en-US" smtClean="0"/>
-              <a:t>8/29/2016</a:t>
+              <a:t>2/28/2018</a:t>
             </a:fld>
             <a:endParaRPr lang="en-US"/>
           </a:p>
@@ -659,7 +659,7 @@
           <a:p>
             <a:fld id="{B38B3450-204C-4DC7-995F-16F5F2A7CDFF}" type="datetimeFigureOut">
               <a:rPr lang="en-US" smtClean="0"/>
-              <a:t>8/29/2016</a:t>
+              <a:t>2/28/2018</a:t>
             </a:fld>
             <a:endParaRPr lang="en-US"/>
           </a:p>
@@ -829,7 +829,7 @@
           <a:p>
             <a:fld id="{B38B3450-204C-4DC7-995F-16F5F2A7CDFF}" type="datetimeFigureOut">
               <a:rPr lang="en-US" smtClean="0"/>
-              <a:t>8/29/2016</a:t>
+              <a:t>2/28/2018</a:t>
             </a:fld>
             <a:endParaRPr lang="en-US"/>
           </a:p>
@@ -1009,7 +1009,7 @@
           <a:p>
             <a:fld id="{B38B3450-204C-4DC7-995F-16F5F2A7CDFF}" type="datetimeFigureOut">
               <a:rPr lang="en-US" smtClean="0"/>
-              <a:t>8/29/2016</a:t>
+              <a:t>2/28/2018</a:t>
             </a:fld>
             <a:endParaRPr lang="en-US"/>
           </a:p>
@@ -1179,7 +1179,7 @@
           <a:p>
             <a:fld id="{B38B3450-204C-4DC7-995F-16F5F2A7CDFF}" type="datetimeFigureOut">
               <a:rPr lang="en-US" smtClean="0"/>
-              <a:t>8/29/2016</a:t>
+              <a:t>2/28/2018</a:t>
             </a:fld>
             <a:endParaRPr lang="en-US"/>
           </a:p>
@@ -1425,7 +1425,7 @@
           <a:p>
             <a:fld id="{B38B3450-204C-4DC7-995F-16F5F2A7CDFF}" type="datetimeFigureOut">
               <a:rPr lang="en-US" smtClean="0"/>
-              <a:t>8/29/2016</a:t>
+              <a:t>2/28/2018</a:t>
             </a:fld>
             <a:endParaRPr lang="en-US"/>
           </a:p>
@@ -1713,7 +1713,7 @@
           <a:p>
             <a:fld id="{B38B3450-204C-4DC7-995F-16F5F2A7CDFF}" type="datetimeFigureOut">
               <a:rPr lang="en-US" smtClean="0"/>
-              <a:t>8/29/2016</a:t>
+              <a:t>2/28/2018</a:t>
             </a:fld>
             <a:endParaRPr lang="en-US"/>
           </a:p>
@@ -2135,7 +2135,7 @@
           <a:p>
             <a:fld id="{B38B3450-204C-4DC7-995F-16F5F2A7CDFF}" type="datetimeFigureOut">
               <a:rPr lang="en-US" smtClean="0"/>
-              <a:t>8/29/2016</a:t>
+              <a:t>2/28/2018</a:t>
             </a:fld>
             <a:endParaRPr lang="en-US"/>
           </a:p>
@@ -2253,7 +2253,7 @@
           <a:p>
             <a:fld id="{B38B3450-204C-4DC7-995F-16F5F2A7CDFF}" type="datetimeFigureOut">
               <a:rPr lang="en-US" smtClean="0"/>
-              <a:t>8/29/2016</a:t>
+              <a:t>2/28/2018</a:t>
             </a:fld>
             <a:endParaRPr lang="en-US"/>
           </a:p>
@@ -2348,7 +2348,7 @@
           <a:p>
             <a:fld id="{B38B3450-204C-4DC7-995F-16F5F2A7CDFF}" type="datetimeFigureOut">
               <a:rPr lang="en-US" smtClean="0"/>
-              <a:t>8/29/2016</a:t>
+              <a:t>2/28/2018</a:t>
             </a:fld>
             <a:endParaRPr lang="en-US"/>
           </a:p>
@@ -2625,7 +2625,7 @@
           <a:p>
             <a:fld id="{B38B3450-204C-4DC7-995F-16F5F2A7CDFF}" type="datetimeFigureOut">
               <a:rPr lang="en-US" smtClean="0"/>
-              <a:t>8/29/2016</a:t>
+              <a:t>2/28/2018</a:t>
             </a:fld>
             <a:endParaRPr lang="en-US"/>
           </a:p>
@@ -2878,7 +2878,7 @@
           <a:p>
             <a:fld id="{B38B3450-204C-4DC7-995F-16F5F2A7CDFF}" type="datetimeFigureOut">
               <a:rPr lang="en-US" smtClean="0"/>
-              <a:t>8/29/2016</a:t>
+              <a:t>2/28/2018</a:t>
             </a:fld>
             <a:endParaRPr lang="en-US"/>
           </a:p>
@@ -3091,7 +3091,7 @@
           <a:p>
             <a:fld id="{B38B3450-204C-4DC7-995F-16F5F2A7CDFF}" type="datetimeFigureOut">
               <a:rPr lang="en-US" smtClean="0"/>
-              <a:t>8/29/2016</a:t>
+              <a:t>2/28/2018</a:t>
             </a:fld>
             <a:endParaRPr lang="en-US"/>
           </a:p>
@@ -4638,7 +4638,6 @@
               <a:rPr lang="en-US" dirty="0" smtClean="0"/>
               <a:t> file in a text editor and fix aberrant lines.</a:t>
             </a:r>
-            <a:endParaRPr lang="en-US" dirty="0" smtClean="0"/>
           </a:p>
         </p:txBody>
       </p:sp>
@@ -4690,16 +4689,6 @@
                   <a:schemeClr val="accent1"/>
                 </a:solidFill>
               </a14:hiddenFill>
-            </a:ext>
-            <a:ext uri="{91240B29-F687-4F45-9708-019B960494DF}">
-              <a14:hiddenLine xmlns:a14="http://schemas.microsoft.com/office/drawing/2010/main" w="9525">
-                <a:solidFill>
-                  <a:schemeClr val="tx1"/>
-                </a:solidFill>
-                <a:miter lim="800000"/>
-                <a:headEnd/>
-                <a:tailEnd/>
-              </a14:hiddenLine>
             </a:ext>
           </a:extLst>
         </p:spPr>
@@ -4752,16 +4741,6 @@
                   <a:schemeClr val="accent1"/>
                 </a:solidFill>
               </a14:hiddenFill>
-            </a:ext>
-            <a:ext uri="{91240B29-F687-4F45-9708-019B960494DF}">
-              <a14:hiddenLine xmlns:a14="http://schemas.microsoft.com/office/drawing/2010/main" w="9525">
-                <a:solidFill>
-                  <a:schemeClr val="tx1"/>
-                </a:solidFill>
-                <a:miter lim="800000"/>
-                <a:headEnd/>
-                <a:tailEnd/>
-              </a14:hiddenLine>
             </a:ext>
           </a:extLst>
         </p:spPr>
@@ -5545,25 +5524,7 @@
               <a:rPr lang="en-US" sz="2000" dirty="0" smtClean="0">
                 <a:sym typeface="Wingdings" panose="05000000000000000000" pitchFamily="2" charset="2"/>
               </a:rPr>
-              <a:t>You can see which folders </a:t>
-            </a:r>
-            <a:r>
-              <a:rPr lang="en-US" sz="2000" dirty="0" smtClean="0">
-                <a:sym typeface="Wingdings" panose="05000000000000000000" pitchFamily="2" charset="2"/>
-              </a:rPr>
-              <a:t>are </a:t>
-            </a:r>
-            <a:r>
-              <a:rPr lang="en-US" sz="2000" dirty="0" smtClean="0">
-                <a:sym typeface="Wingdings" panose="05000000000000000000" pitchFamily="2" charset="2"/>
-              </a:rPr>
-              <a:t>in your search path (and add/remove/rearrange them) by going into the file menu (top of screen) and choosing “Set Path…”to get to the Set Path Dialog</a:t>
-            </a:r>
-            <a:r>
-              <a:rPr lang="en-US" sz="2000" dirty="0" smtClean="0">
-                <a:sym typeface="Wingdings" panose="05000000000000000000" pitchFamily="2" charset="2"/>
-              </a:rPr>
-              <a:t>.</a:t>
+              <a:t>You can see which folders are in your search path (and add/remove/rearrange them) by going into the file menu (top of screen) and choosing “Set Path…”to get to the Set Path Dialog.</a:t>
             </a:r>
           </a:p>
           <a:p>
@@ -5641,13 +5602,7 @@
               <a:rPr lang="en-US" sz="2000" dirty="0" smtClean="0">
                 <a:sym typeface="Wingdings" panose="05000000000000000000" pitchFamily="2" charset="2"/>
               </a:rPr>
-              <a:t>MATLAB </a:t>
-            </a:r>
-            <a:r>
-              <a:rPr lang="en-US" sz="2000" dirty="0" smtClean="0">
-                <a:sym typeface="Wingdings" panose="05000000000000000000" pitchFamily="2" charset="2"/>
-              </a:rPr>
-              <a:t>resets the search path every time you restart it. If you want to keep the F0AM directories on your search path, type “</a:t>
+              <a:t>MATLAB resets the search path every time you restart it. If you want to keep the F0AM directories on your search path, type “</a:t>
             </a:r>
             <a:r>
               <a:rPr lang="en-US" sz="2000" dirty="0" err="1" smtClean="0">
@@ -5667,7 +5622,19 @@
               <a:rPr lang="en-US" sz="2000" dirty="0" smtClean="0">
                 <a:sym typeface="Wingdings" panose="05000000000000000000" pitchFamily="2" charset="2"/>
               </a:rPr>
-              <a:t>MATLAB searches the folders in the set path sequentially. If you have multiple functions or scripts with the same name, only the first one (in the search path) will be called. If you think you have an error stemming from redundant file names, use the “which” command to see which file is being called.</a:t>
+              <a:t>MATLAB searches the folders in the set path sequentially. If you have multiple functions or scripts with the same name, only the first one (in the search path) will be called. If you think you have an error stemming from </a:t>
+            </a:r>
+            <a:r>
+              <a:rPr lang="en-US" sz="2000" dirty="0" smtClean="0">
+                <a:sym typeface="Wingdings" panose="05000000000000000000" pitchFamily="2" charset="2"/>
+              </a:rPr>
+              <a:t>shadowed file </a:t>
+            </a:r>
+            <a:r>
+              <a:rPr lang="en-US" sz="2000" dirty="0" smtClean="0">
+                <a:sym typeface="Wingdings" panose="05000000000000000000" pitchFamily="2" charset="2"/>
+              </a:rPr>
+              <a:t>names, use the “which” command to see which file is being called.</a:t>
             </a:r>
           </a:p>
           <a:p>
@@ -5885,15 +5852,7 @@
             </a:pPr>
             <a:r>
               <a:rPr lang="en-US" dirty="0" smtClean="0"/>
-              <a:t>Try to run one of the examples: type a script name into the Command Window and hit ENTER. Some of the examples can take several minutes to execute, depending on your hardware. The example should run without errors and generate a bunch of figure windows. Next, read through the example script that you ran and try to get an understanding of the inputs and outputs. </a:t>
-            </a:r>
-            <a:r>
-              <a:rPr lang="en-US" dirty="0" smtClean="0"/>
-              <a:t>The scripts are heavily commented to walk you through the setup. The </a:t>
-            </a:r>
-            <a:r>
-              <a:rPr lang="en-US" dirty="0" smtClean="0"/>
-              <a:t>F0AM_ReadMe is also helpful here.</a:t>
+              <a:t>Try to run one of the examples: type a script name into the Command Window and hit ENTER. Some of the examples can take several minutes to execute, depending on your hardware. The example should run without errors and generate a bunch of figure windows. Next, read through the example script that you ran and try to get an understanding of the inputs and outputs. The scripts are heavily commented to walk you through the setup. The F0AM_ReadMe is also helpful here.</a:t>
             </a:r>
           </a:p>
           <a:p>
@@ -5988,7 +5947,6 @@
               <a:rPr lang="en-US" dirty="0" smtClean="0"/>
               <a:t>The example setups encompass a range of standard applications. Generally, it is easiest to start with the one that most closely matches your research problem and modify the inputs as needed. </a:t>
             </a:r>
-            <a:endParaRPr lang="en-US" dirty="0" smtClean="0"/>
           </a:p>
           <a:p>
             <a:pPr marL="0" indent="0">
@@ -6093,15 +6051,11 @@
             </a:pPr>
             <a:r>
               <a:rPr lang="en-US" sz="2000" dirty="0"/>
-              <a:t>Errors are not improbable when trying to run one of the examples, and </a:t>
+              <a:t>Errors are </a:t>
             </a:r>
             <a:r>
               <a:rPr lang="en-US" sz="2000" dirty="0" smtClean="0"/>
-              <a:t>they are even </a:t>
-            </a:r>
-            <a:r>
-              <a:rPr lang="en-US" sz="2000" dirty="0"/>
-              <a:t>more likely when running your own setups. </a:t>
+              <a:t>normal when running new code. </a:t>
             </a:r>
             <a:r>
               <a:rPr lang="en-US" sz="2000" dirty="0" smtClean="0"/>
@@ -6121,7 +6075,15 @@
             </a:r>
             <a:r>
               <a:rPr lang="en-US" sz="2000" dirty="0" smtClean="0"/>
-              <a:t>proficient modeler. Keep calm and debug like so:</a:t>
+              <a:t>proficient </a:t>
+            </a:r>
+            <a:r>
+              <a:rPr lang="en-US" sz="2000" dirty="0" smtClean="0"/>
+              <a:t>programmer. </a:t>
+            </a:r>
+            <a:r>
+              <a:rPr lang="en-US" sz="2000" dirty="0" smtClean="0"/>
+              <a:t>Keep calm and debug like so:</a:t>
             </a:r>
           </a:p>
           <a:p>
@@ -6141,8 +6103,13 @@
             </a:r>
             <a:r>
               <a:rPr lang="en-US" sz="2000" dirty="0" smtClean="0"/>
-              <a:t>. The error shown above is just a typo.</a:t>
-            </a:r>
+              <a:t>. The error shown above is just a </a:t>
+            </a:r>
+            <a:r>
+              <a:rPr lang="en-US" sz="2000" dirty="0" smtClean="0"/>
+              <a:t>typo (“FURFURAL_FURN” instead of “FURFURAL_FURAN”).</a:t>
+            </a:r>
+            <a:endParaRPr lang="en-US" sz="2000" dirty="0" smtClean="0"/>
           </a:p>
           <a:p>
             <a:pPr marL="914400" lvl="1" indent="-514350">
@@ -6245,15 +6212,46 @@
                 </a:solidFill>
               </a14:hiddenFill>
             </a:ext>
-            <a:ext uri="{91240B29-F687-4F45-9708-019B960494DF}">
-              <a14:hiddenLine xmlns:a14="http://schemas.microsoft.com/office/drawing/2010/main" w="9525">
+          </a:extLst>
+        </p:spPr>
+      </p:pic>
+      <p:pic>
+        <p:nvPicPr>
+          <p:cNvPr id="4" name="Picture 2" descr="Image result for keep calm and debug"/>
+          <p:cNvPicPr>
+            <a:picLocks noChangeAspect="1" noChangeArrowheads="1"/>
+          </p:cNvPicPr>
+          <p:nvPr/>
+        </p:nvPicPr>
+        <p:blipFill>
+          <a:blip r:embed="rId3" cstate="print">
+            <a:extLst>
+              <a:ext uri="{28A0092B-C50C-407E-A947-70E740481C1C}">
+                <a14:useLocalDpi xmlns:a14="http://schemas.microsoft.com/office/drawing/2010/main" val="0"/>
+              </a:ext>
+            </a:extLst>
+          </a:blip>
+          <a:srcRect/>
+          <a:stretch>
+            <a:fillRect/>
+          </a:stretch>
+        </p:blipFill>
+        <p:spPr bwMode="auto">
+          <a:xfrm>
+            <a:off x="7638950" y="745963"/>
+            <a:ext cx="1274413" cy="1486815"/>
+          </a:xfrm>
+          <a:prstGeom prst="rect">
+            <a:avLst/>
+          </a:prstGeom>
+          <a:noFill/>
+          <a:extLst>
+            <a:ext uri="{909E8E84-426E-40DD-AFC4-6F175D3DCCD1}">
+              <a14:hiddenFill xmlns:a14="http://schemas.microsoft.com/office/drawing/2010/main">
                 <a:solidFill>
-                  <a:schemeClr val="tx1"/>
+                  <a:srgbClr val="FFFFFF"/>
                 </a:solidFill>
-                <a:miter lim="800000"/>
-                <a:headEnd/>
-                <a:tailEnd/>
-              </a14:hiddenLine>
+              </a14:hiddenFill>
             </a:ext>
           </a:extLst>
         </p:spPr>

--- a/Docs/F0AM_GettingStarted.pptx
+++ b/Docs/F0AM_GettingStarted.pptx
@@ -18,8 +18,8 @@
     <p:sldId id="264" r:id="rId9"/>
     <p:sldId id="273" r:id="rId10"/>
     <p:sldId id="263" r:id="rId11"/>
-    <p:sldId id="270" r:id="rId12"/>
-    <p:sldId id="271" r:id="rId13"/>
+    <p:sldId id="274" r:id="rId12"/>
+    <p:sldId id="275" r:id="rId13"/>
     <p:sldId id="272" r:id="rId14"/>
   </p:sldIdLst>
   <p:sldSz cx="9144000" cy="6858000" type="screen4x3"/>
@@ -119,6 +119,22 @@
       </a:defRPr>
     </a:lvl9pPr>
   </p:defaultTextStyle>
+  <p:extLst>
+    <p:ext uri="{EFAFB233-063F-42B5-8137-9DF3F51BA10A}">
+      <p15:sldGuideLst xmlns:p15="http://schemas.microsoft.com/office/powerpoint/2012/main">
+        <p15:guide id="1" orient="horz" pos="2160">
+          <p15:clr>
+            <a:srgbClr val="A4A3A4"/>
+          </p15:clr>
+        </p15:guide>
+        <p15:guide id="2" pos="2880">
+          <p15:clr>
+            <a:srgbClr val="A4A3A4"/>
+          </p15:clr>
+        </p15:guide>
+      </p15:sldGuideLst>
+    </p:ext>
+  </p:extLst>
 </p:presentation>
 </file>
 
@@ -210,7 +226,7 @@
           <a:p>
             <a:fld id="{0D0E4BAC-3DD1-405E-BEED-8A8717B3A760}" type="datetimeFigureOut">
               <a:rPr lang="en-US" smtClean="0"/>
-              <a:t>2/28/2018</a:t>
+              <a:t>11/3/2023</a:t>
             </a:fld>
             <a:endParaRPr lang="en-US"/>
           </a:p>
@@ -274,38 +290,37 @@
           <a:p>
             <a:pPr lvl="0"/>
             <a:r>
-              <a:rPr lang="en-US" smtClean="0"/>
+              <a:rPr lang="en-US"/>
               <a:t>Click to edit Master text styles</a:t>
             </a:r>
           </a:p>
           <a:p>
             <a:pPr lvl="1"/>
             <a:r>
-              <a:rPr lang="en-US" smtClean="0"/>
+              <a:rPr lang="en-US"/>
               <a:t>Second level</a:t>
             </a:r>
           </a:p>
           <a:p>
             <a:pPr lvl="2"/>
             <a:r>
-              <a:rPr lang="en-US" smtClean="0"/>
+              <a:rPr lang="en-US"/>
               <a:t>Third level</a:t>
             </a:r>
           </a:p>
           <a:p>
             <a:pPr lvl="3"/>
             <a:r>
-              <a:rPr lang="en-US" smtClean="0"/>
+              <a:rPr lang="en-US"/>
               <a:t>Fourth level</a:t>
             </a:r>
           </a:p>
           <a:p>
             <a:pPr lvl="4"/>
             <a:r>
-              <a:rPr lang="en-US" smtClean="0"/>
+              <a:rPr lang="en-US"/>
               <a:t>Fifth level</a:t>
             </a:r>
-            <a:endParaRPr lang="en-US"/>
           </a:p>
         </p:txBody>
       </p:sp>
@@ -516,10 +531,9 @@
           <a:lstStyle/>
           <a:p>
             <a:r>
-              <a:rPr lang="en-US" smtClean="0"/>
+              <a:rPr lang="en-US"/>
               <a:t>Click to edit Master title style</a:t>
             </a:r>
-            <a:endParaRPr lang="en-US"/>
           </a:p>
         </p:txBody>
       </p:sp>
@@ -635,10 +649,9 @@
           </a:lstStyle>
           <a:p>
             <a:r>
-              <a:rPr lang="en-US" smtClean="0"/>
+              <a:rPr lang="en-US"/>
               <a:t>Click to edit Master subtitle style</a:t>
             </a:r>
-            <a:endParaRPr lang="en-US"/>
           </a:p>
         </p:txBody>
       </p:sp>
@@ -659,7 +672,7 @@
           <a:p>
             <a:fld id="{B38B3450-204C-4DC7-995F-16F5F2A7CDFF}" type="datetimeFigureOut">
               <a:rPr lang="en-US" smtClean="0"/>
-              <a:t>2/28/2018</a:t>
+              <a:t>11/3/2023</a:t>
             </a:fld>
             <a:endParaRPr lang="en-US"/>
           </a:p>
@@ -753,10 +766,9 @@
           <a:lstStyle/>
           <a:p>
             <a:r>
-              <a:rPr lang="en-US" smtClean="0"/>
+              <a:rPr lang="en-US"/>
               <a:t>Click to edit Master title style</a:t>
             </a:r>
-            <a:endParaRPr lang="en-US"/>
           </a:p>
         </p:txBody>
       </p:sp>
@@ -777,38 +789,37 @@
           <a:p>
             <a:pPr lvl="0"/>
             <a:r>
-              <a:rPr lang="en-US" smtClean="0"/>
+              <a:rPr lang="en-US"/>
               <a:t>Click to edit Master text styles</a:t>
             </a:r>
           </a:p>
           <a:p>
             <a:pPr lvl="1"/>
             <a:r>
-              <a:rPr lang="en-US" smtClean="0"/>
+              <a:rPr lang="en-US"/>
               <a:t>Second level</a:t>
             </a:r>
           </a:p>
           <a:p>
             <a:pPr lvl="2"/>
             <a:r>
-              <a:rPr lang="en-US" smtClean="0"/>
+              <a:rPr lang="en-US"/>
               <a:t>Third level</a:t>
             </a:r>
           </a:p>
           <a:p>
             <a:pPr lvl="3"/>
             <a:r>
-              <a:rPr lang="en-US" smtClean="0"/>
+              <a:rPr lang="en-US"/>
               <a:t>Fourth level</a:t>
             </a:r>
           </a:p>
           <a:p>
             <a:pPr lvl="4"/>
             <a:r>
-              <a:rPr lang="en-US" smtClean="0"/>
+              <a:rPr lang="en-US"/>
               <a:t>Fifth level</a:t>
             </a:r>
-            <a:endParaRPr lang="en-US"/>
           </a:p>
         </p:txBody>
       </p:sp>
@@ -829,7 +840,7 @@
           <a:p>
             <a:fld id="{B38B3450-204C-4DC7-995F-16F5F2A7CDFF}" type="datetimeFigureOut">
               <a:rPr lang="en-US" smtClean="0"/>
-              <a:t>2/28/2018</a:t>
+              <a:t>11/3/2023</a:t>
             </a:fld>
             <a:endParaRPr lang="en-US"/>
           </a:p>
@@ -928,10 +939,9 @@
           <a:lstStyle/>
           <a:p>
             <a:r>
-              <a:rPr lang="en-US" smtClean="0"/>
+              <a:rPr lang="en-US"/>
               <a:t>Click to edit Master title style</a:t>
             </a:r>
-            <a:endParaRPr lang="en-US"/>
           </a:p>
         </p:txBody>
       </p:sp>
@@ -957,38 +967,37 @@
           <a:p>
             <a:pPr lvl="0"/>
             <a:r>
-              <a:rPr lang="en-US" smtClean="0"/>
+              <a:rPr lang="en-US"/>
               <a:t>Click to edit Master text styles</a:t>
             </a:r>
           </a:p>
           <a:p>
             <a:pPr lvl="1"/>
             <a:r>
-              <a:rPr lang="en-US" smtClean="0"/>
+              <a:rPr lang="en-US"/>
               <a:t>Second level</a:t>
             </a:r>
           </a:p>
           <a:p>
             <a:pPr lvl="2"/>
             <a:r>
-              <a:rPr lang="en-US" smtClean="0"/>
+              <a:rPr lang="en-US"/>
               <a:t>Third level</a:t>
             </a:r>
           </a:p>
           <a:p>
             <a:pPr lvl="3"/>
             <a:r>
-              <a:rPr lang="en-US" smtClean="0"/>
+              <a:rPr lang="en-US"/>
               <a:t>Fourth level</a:t>
             </a:r>
           </a:p>
           <a:p>
             <a:pPr lvl="4"/>
             <a:r>
-              <a:rPr lang="en-US" smtClean="0"/>
+              <a:rPr lang="en-US"/>
               <a:t>Fifth level</a:t>
             </a:r>
-            <a:endParaRPr lang="en-US"/>
           </a:p>
         </p:txBody>
       </p:sp>
@@ -1009,7 +1018,7 @@
           <a:p>
             <a:fld id="{B38B3450-204C-4DC7-995F-16F5F2A7CDFF}" type="datetimeFigureOut">
               <a:rPr lang="en-US" smtClean="0"/>
-              <a:t>2/28/2018</a:t>
+              <a:t>11/3/2023</a:t>
             </a:fld>
             <a:endParaRPr lang="en-US"/>
           </a:p>
@@ -1103,10 +1112,9 @@
           <a:lstStyle/>
           <a:p>
             <a:r>
-              <a:rPr lang="en-US" smtClean="0"/>
+              <a:rPr lang="en-US"/>
               <a:t>Click to edit Master title style</a:t>
             </a:r>
-            <a:endParaRPr lang="en-US"/>
           </a:p>
         </p:txBody>
       </p:sp>
@@ -1127,38 +1135,37 @@
           <a:p>
             <a:pPr lvl="0"/>
             <a:r>
-              <a:rPr lang="en-US" smtClean="0"/>
+              <a:rPr lang="en-US"/>
               <a:t>Click to edit Master text styles</a:t>
             </a:r>
           </a:p>
           <a:p>
             <a:pPr lvl="1"/>
             <a:r>
-              <a:rPr lang="en-US" smtClean="0"/>
+              <a:rPr lang="en-US"/>
               <a:t>Second level</a:t>
             </a:r>
           </a:p>
           <a:p>
             <a:pPr lvl="2"/>
             <a:r>
-              <a:rPr lang="en-US" smtClean="0"/>
+              <a:rPr lang="en-US"/>
               <a:t>Third level</a:t>
             </a:r>
           </a:p>
           <a:p>
             <a:pPr lvl="3"/>
             <a:r>
-              <a:rPr lang="en-US" smtClean="0"/>
+              <a:rPr lang="en-US"/>
               <a:t>Fourth level</a:t>
             </a:r>
           </a:p>
           <a:p>
             <a:pPr lvl="4"/>
             <a:r>
-              <a:rPr lang="en-US" smtClean="0"/>
+              <a:rPr lang="en-US"/>
               <a:t>Fifth level</a:t>
             </a:r>
-            <a:endParaRPr lang="en-US"/>
           </a:p>
         </p:txBody>
       </p:sp>
@@ -1179,7 +1186,7 @@
           <a:p>
             <a:fld id="{B38B3450-204C-4DC7-995F-16F5F2A7CDFF}" type="datetimeFigureOut">
               <a:rPr lang="en-US" smtClean="0"/>
-              <a:t>2/28/2018</a:t>
+              <a:t>11/3/2023</a:t>
             </a:fld>
             <a:endParaRPr lang="en-US"/>
           </a:p>
@@ -1282,10 +1289,9 @@
           </a:lstStyle>
           <a:p>
             <a:r>
-              <a:rPr lang="en-US" smtClean="0"/>
+              <a:rPr lang="en-US"/>
               <a:t>Click to edit Master title style</a:t>
             </a:r>
-            <a:endParaRPr lang="en-US"/>
           </a:p>
         </p:txBody>
       </p:sp>
@@ -1402,7 +1408,7 @@
           <a:p>
             <a:pPr lvl="0"/>
             <a:r>
-              <a:rPr lang="en-US" smtClean="0"/>
+              <a:rPr lang="en-US"/>
               <a:t>Click to edit Master text styles</a:t>
             </a:r>
           </a:p>
@@ -1425,7 +1431,7 @@
           <a:p>
             <a:fld id="{B38B3450-204C-4DC7-995F-16F5F2A7CDFF}" type="datetimeFigureOut">
               <a:rPr lang="en-US" smtClean="0"/>
-              <a:t>2/28/2018</a:t>
+              <a:t>11/3/2023</a:t>
             </a:fld>
             <a:endParaRPr lang="en-US"/>
           </a:p>
@@ -1519,10 +1525,9 @@
           <a:lstStyle/>
           <a:p>
             <a:r>
-              <a:rPr lang="en-US" smtClean="0"/>
+              <a:rPr lang="en-US"/>
               <a:t>Click to edit Master title style</a:t>
             </a:r>
-            <a:endParaRPr lang="en-US"/>
           </a:p>
         </p:txBody>
       </p:sp>
@@ -1576,38 +1581,37 @@
           <a:p>
             <a:pPr lvl="0"/>
             <a:r>
-              <a:rPr lang="en-US" smtClean="0"/>
+              <a:rPr lang="en-US"/>
               <a:t>Click to edit Master text styles</a:t>
             </a:r>
           </a:p>
           <a:p>
             <a:pPr lvl="1"/>
             <a:r>
-              <a:rPr lang="en-US" smtClean="0"/>
+              <a:rPr lang="en-US"/>
               <a:t>Second level</a:t>
             </a:r>
           </a:p>
           <a:p>
             <a:pPr lvl="2"/>
             <a:r>
-              <a:rPr lang="en-US" smtClean="0"/>
+              <a:rPr lang="en-US"/>
               <a:t>Third level</a:t>
             </a:r>
           </a:p>
           <a:p>
             <a:pPr lvl="3"/>
             <a:r>
-              <a:rPr lang="en-US" smtClean="0"/>
+              <a:rPr lang="en-US"/>
               <a:t>Fourth level</a:t>
             </a:r>
           </a:p>
           <a:p>
             <a:pPr lvl="4"/>
             <a:r>
-              <a:rPr lang="en-US" smtClean="0"/>
+              <a:rPr lang="en-US"/>
               <a:t>Fifth level</a:t>
             </a:r>
-            <a:endParaRPr lang="en-US"/>
           </a:p>
         </p:txBody>
       </p:sp>
@@ -1661,38 +1665,37 @@
           <a:p>
             <a:pPr lvl="0"/>
             <a:r>
-              <a:rPr lang="en-US" smtClean="0"/>
+              <a:rPr lang="en-US"/>
               <a:t>Click to edit Master text styles</a:t>
             </a:r>
           </a:p>
           <a:p>
             <a:pPr lvl="1"/>
             <a:r>
-              <a:rPr lang="en-US" smtClean="0"/>
+              <a:rPr lang="en-US"/>
               <a:t>Second level</a:t>
             </a:r>
           </a:p>
           <a:p>
             <a:pPr lvl="2"/>
             <a:r>
-              <a:rPr lang="en-US" smtClean="0"/>
+              <a:rPr lang="en-US"/>
               <a:t>Third level</a:t>
             </a:r>
           </a:p>
           <a:p>
             <a:pPr lvl="3"/>
             <a:r>
-              <a:rPr lang="en-US" smtClean="0"/>
+              <a:rPr lang="en-US"/>
               <a:t>Fourth level</a:t>
             </a:r>
           </a:p>
           <a:p>
             <a:pPr lvl="4"/>
             <a:r>
-              <a:rPr lang="en-US" smtClean="0"/>
+              <a:rPr lang="en-US"/>
               <a:t>Fifth level</a:t>
             </a:r>
-            <a:endParaRPr lang="en-US"/>
           </a:p>
         </p:txBody>
       </p:sp>
@@ -1713,7 +1716,7 @@
           <a:p>
             <a:fld id="{B38B3450-204C-4DC7-995F-16F5F2A7CDFF}" type="datetimeFigureOut">
               <a:rPr lang="en-US" smtClean="0"/>
-              <a:t>2/28/2018</a:t>
+              <a:t>11/3/2023</a:t>
             </a:fld>
             <a:endParaRPr lang="en-US"/>
           </a:p>
@@ -1811,10 +1814,9 @@
           </a:lstStyle>
           <a:p>
             <a:r>
-              <a:rPr lang="en-US" smtClean="0"/>
+              <a:rPr lang="en-US"/>
               <a:t>Click to edit Master title style</a:t>
             </a:r>
-            <a:endParaRPr lang="en-US"/>
           </a:p>
         </p:txBody>
       </p:sp>
@@ -1877,7 +1879,7 @@
           <a:p>
             <a:pPr lvl="0"/>
             <a:r>
-              <a:rPr lang="en-US" smtClean="0"/>
+              <a:rPr lang="en-US"/>
               <a:t>Click to edit Master text styles</a:t>
             </a:r>
           </a:p>
@@ -1933,38 +1935,37 @@
           <a:p>
             <a:pPr lvl="0"/>
             <a:r>
-              <a:rPr lang="en-US" smtClean="0"/>
+              <a:rPr lang="en-US"/>
               <a:t>Click to edit Master text styles</a:t>
             </a:r>
           </a:p>
           <a:p>
             <a:pPr lvl="1"/>
             <a:r>
-              <a:rPr lang="en-US" smtClean="0"/>
+              <a:rPr lang="en-US"/>
               <a:t>Second level</a:t>
             </a:r>
           </a:p>
           <a:p>
             <a:pPr lvl="2"/>
             <a:r>
-              <a:rPr lang="en-US" smtClean="0"/>
+              <a:rPr lang="en-US"/>
               <a:t>Third level</a:t>
             </a:r>
           </a:p>
           <a:p>
             <a:pPr lvl="3"/>
             <a:r>
-              <a:rPr lang="en-US" smtClean="0"/>
+              <a:rPr lang="en-US"/>
               <a:t>Fourth level</a:t>
             </a:r>
           </a:p>
           <a:p>
             <a:pPr lvl="4"/>
             <a:r>
-              <a:rPr lang="en-US" smtClean="0"/>
+              <a:rPr lang="en-US"/>
               <a:t>Fifth level</a:t>
             </a:r>
-            <a:endParaRPr lang="en-US"/>
           </a:p>
         </p:txBody>
       </p:sp>
@@ -2027,7 +2028,7 @@
           <a:p>
             <a:pPr lvl="0"/>
             <a:r>
-              <a:rPr lang="en-US" smtClean="0"/>
+              <a:rPr lang="en-US"/>
               <a:t>Click to edit Master text styles</a:t>
             </a:r>
           </a:p>
@@ -2083,38 +2084,37 @@
           <a:p>
             <a:pPr lvl="0"/>
             <a:r>
-              <a:rPr lang="en-US" smtClean="0"/>
+              <a:rPr lang="en-US"/>
               <a:t>Click to edit Master text styles</a:t>
             </a:r>
           </a:p>
           <a:p>
             <a:pPr lvl="1"/>
             <a:r>
-              <a:rPr lang="en-US" smtClean="0"/>
+              <a:rPr lang="en-US"/>
               <a:t>Second level</a:t>
             </a:r>
           </a:p>
           <a:p>
             <a:pPr lvl="2"/>
             <a:r>
-              <a:rPr lang="en-US" smtClean="0"/>
+              <a:rPr lang="en-US"/>
               <a:t>Third level</a:t>
             </a:r>
           </a:p>
           <a:p>
             <a:pPr lvl="3"/>
             <a:r>
-              <a:rPr lang="en-US" smtClean="0"/>
+              <a:rPr lang="en-US"/>
               <a:t>Fourth level</a:t>
             </a:r>
           </a:p>
           <a:p>
             <a:pPr lvl="4"/>
             <a:r>
-              <a:rPr lang="en-US" smtClean="0"/>
+              <a:rPr lang="en-US"/>
               <a:t>Fifth level</a:t>
             </a:r>
-            <a:endParaRPr lang="en-US"/>
           </a:p>
         </p:txBody>
       </p:sp>
@@ -2135,7 +2135,7 @@
           <a:p>
             <a:fld id="{B38B3450-204C-4DC7-995F-16F5F2A7CDFF}" type="datetimeFigureOut">
               <a:rPr lang="en-US" smtClean="0"/>
-              <a:t>2/28/2018</a:t>
+              <a:t>11/3/2023</a:t>
             </a:fld>
             <a:endParaRPr lang="en-US"/>
           </a:p>
@@ -2229,10 +2229,9 @@
           <a:lstStyle/>
           <a:p>
             <a:r>
-              <a:rPr lang="en-US" smtClean="0"/>
+              <a:rPr lang="en-US"/>
               <a:t>Click to edit Master title style</a:t>
             </a:r>
-            <a:endParaRPr lang="en-US"/>
           </a:p>
         </p:txBody>
       </p:sp>
@@ -2253,7 +2252,7 @@
           <a:p>
             <a:fld id="{B38B3450-204C-4DC7-995F-16F5F2A7CDFF}" type="datetimeFigureOut">
               <a:rPr lang="en-US" smtClean="0"/>
-              <a:t>2/28/2018</a:t>
+              <a:t>11/3/2023</a:t>
             </a:fld>
             <a:endParaRPr lang="en-US"/>
           </a:p>
@@ -2348,7 +2347,7 @@
           <a:p>
             <a:fld id="{B38B3450-204C-4DC7-995F-16F5F2A7CDFF}" type="datetimeFigureOut">
               <a:rPr lang="en-US" smtClean="0"/>
-              <a:t>2/28/2018</a:t>
+              <a:t>11/3/2023</a:t>
             </a:fld>
             <a:endParaRPr lang="en-US"/>
           </a:p>
@@ -2451,10 +2450,9 @@
           </a:lstStyle>
           <a:p>
             <a:r>
-              <a:rPr lang="en-US" smtClean="0"/>
+              <a:rPr lang="en-US"/>
               <a:t>Click to edit Master title style</a:t>
             </a:r>
-            <a:endParaRPr lang="en-US"/>
           </a:p>
         </p:txBody>
       </p:sp>
@@ -2508,38 +2506,37 @@
           <a:p>
             <a:pPr lvl="0"/>
             <a:r>
-              <a:rPr lang="en-US" smtClean="0"/>
+              <a:rPr lang="en-US"/>
               <a:t>Click to edit Master text styles</a:t>
             </a:r>
           </a:p>
           <a:p>
             <a:pPr lvl="1"/>
             <a:r>
-              <a:rPr lang="en-US" smtClean="0"/>
+              <a:rPr lang="en-US"/>
               <a:t>Second level</a:t>
             </a:r>
           </a:p>
           <a:p>
             <a:pPr lvl="2"/>
             <a:r>
-              <a:rPr lang="en-US" smtClean="0"/>
+              <a:rPr lang="en-US"/>
               <a:t>Third level</a:t>
             </a:r>
           </a:p>
           <a:p>
             <a:pPr lvl="3"/>
             <a:r>
-              <a:rPr lang="en-US" smtClean="0"/>
+              <a:rPr lang="en-US"/>
               <a:t>Fourth level</a:t>
             </a:r>
           </a:p>
           <a:p>
             <a:pPr lvl="4"/>
             <a:r>
-              <a:rPr lang="en-US" smtClean="0"/>
+              <a:rPr lang="en-US"/>
               <a:t>Fifth level</a:t>
             </a:r>
-            <a:endParaRPr lang="en-US"/>
           </a:p>
         </p:txBody>
       </p:sp>
@@ -2602,7 +2599,7 @@
           <a:p>
             <a:pPr lvl="0"/>
             <a:r>
-              <a:rPr lang="en-US" smtClean="0"/>
+              <a:rPr lang="en-US"/>
               <a:t>Click to edit Master text styles</a:t>
             </a:r>
           </a:p>
@@ -2625,7 +2622,7 @@
           <a:p>
             <a:fld id="{B38B3450-204C-4DC7-995F-16F5F2A7CDFF}" type="datetimeFigureOut">
               <a:rPr lang="en-US" smtClean="0"/>
-              <a:t>2/28/2018</a:t>
+              <a:t>11/3/2023</a:t>
             </a:fld>
             <a:endParaRPr lang="en-US"/>
           </a:p>
@@ -2728,10 +2725,9 @@
           </a:lstStyle>
           <a:p>
             <a:r>
-              <a:rPr lang="en-US" smtClean="0"/>
+              <a:rPr lang="en-US"/>
               <a:t>Click to edit Master title style</a:t>
             </a:r>
-            <a:endParaRPr lang="en-US"/>
           </a:p>
         </p:txBody>
       </p:sp>
@@ -2855,7 +2851,7 @@
           <a:p>
             <a:pPr lvl="0"/>
             <a:r>
-              <a:rPr lang="en-US" smtClean="0"/>
+              <a:rPr lang="en-US"/>
               <a:t>Click to edit Master text styles</a:t>
             </a:r>
           </a:p>
@@ -2878,7 +2874,7 @@
           <a:p>
             <a:fld id="{B38B3450-204C-4DC7-995F-16F5F2A7CDFF}" type="datetimeFigureOut">
               <a:rPr lang="en-US" smtClean="0"/>
-              <a:t>2/28/2018</a:t>
+              <a:t>11/3/2023</a:t>
             </a:fld>
             <a:endParaRPr lang="en-US"/>
           </a:p>
@@ -2987,10 +2983,9 @@
           <a:lstStyle/>
           <a:p>
             <a:r>
-              <a:rPr lang="en-US" smtClean="0"/>
+              <a:rPr lang="en-US"/>
               <a:t>Click to edit Master title style</a:t>
             </a:r>
-            <a:endParaRPr lang="en-US"/>
           </a:p>
         </p:txBody>
       </p:sp>
@@ -3021,38 +3016,37 @@
           <a:p>
             <a:pPr lvl="0"/>
             <a:r>
-              <a:rPr lang="en-US" smtClean="0"/>
+              <a:rPr lang="en-US"/>
               <a:t>Click to edit Master text styles</a:t>
             </a:r>
           </a:p>
           <a:p>
             <a:pPr lvl="1"/>
             <a:r>
-              <a:rPr lang="en-US" smtClean="0"/>
+              <a:rPr lang="en-US"/>
               <a:t>Second level</a:t>
             </a:r>
           </a:p>
           <a:p>
             <a:pPr lvl="2"/>
             <a:r>
-              <a:rPr lang="en-US" smtClean="0"/>
+              <a:rPr lang="en-US"/>
               <a:t>Third level</a:t>
             </a:r>
           </a:p>
           <a:p>
             <a:pPr lvl="3"/>
             <a:r>
-              <a:rPr lang="en-US" smtClean="0"/>
+              <a:rPr lang="en-US"/>
               <a:t>Fourth level</a:t>
             </a:r>
           </a:p>
           <a:p>
             <a:pPr lvl="4"/>
             <a:r>
-              <a:rPr lang="en-US" smtClean="0"/>
+              <a:rPr lang="en-US"/>
               <a:t>Fifth level</a:t>
             </a:r>
-            <a:endParaRPr lang="en-US"/>
           </a:p>
         </p:txBody>
       </p:sp>
@@ -3091,7 +3085,7 @@
           <a:p>
             <a:fld id="{B38B3450-204C-4DC7-995F-16F5F2A7CDFF}" type="datetimeFigureOut">
               <a:rPr lang="en-US" smtClean="0"/>
-              <a:t>2/28/2018</a:t>
+              <a:t>11/3/2023</a:t>
             </a:fld>
             <a:endParaRPr lang="en-US"/>
           </a:p>
@@ -3487,10 +3481,9 @@
           <a:lstStyle/>
           <a:p>
             <a:r>
-              <a:rPr lang="en-US" dirty="0" smtClean="0"/>
+              <a:rPr lang="en-US" dirty="0"/>
               <a:t>Getting Started with F0AM</a:t>
             </a:r>
-            <a:endParaRPr lang="en-US" dirty="0"/>
           </a:p>
         </p:txBody>
       </p:sp>
@@ -3515,10 +3508,9 @@
           <a:lstStyle/>
           <a:p>
             <a:r>
-              <a:rPr lang="en-US" dirty="0" smtClean="0"/>
+              <a:rPr lang="en-US" dirty="0"/>
               <a:t>Note: It is recommended that new users read the F0AM_readme.pdf file as well.</a:t>
             </a:r>
-            <a:endParaRPr lang="en-US" dirty="0"/>
           </a:p>
         </p:txBody>
       </p:sp>
@@ -3568,10 +3560,9 @@
           <a:lstStyle/>
           <a:p>
             <a:r>
-              <a:rPr lang="en-US" dirty="0" smtClean="0"/>
+              <a:rPr lang="en-US" dirty="0"/>
               <a:t>MCM Extraction</a:t>
             </a:r>
-            <a:endParaRPr lang="en-US" dirty="0"/>
           </a:p>
         </p:txBody>
       </p:sp>
@@ -3599,10 +3590,9 @@
               <a:buNone/>
             </a:pPr>
             <a:r>
-              <a:rPr lang="en-US" dirty="0" smtClean="0"/>
+              <a:rPr lang="en-US" dirty="0"/>
               <a:t>The MCM is big, and it is rare that users will need all of the species contained therein. You can extract a portion of the mechanism for use in F0AM as follows.</a:t>
             </a:r>
-            <a:endParaRPr lang="en-US" dirty="0"/>
           </a:p>
         </p:txBody>
       </p:sp>
@@ -3616,13 +3606,6 @@
   <p:clrMapOvr>
     <a:masterClrMapping/>
   </p:clrMapOvr>
-  <p:timing>
-    <p:tnLst>
-      <p:par>
-        <p:cTn id="1" dur="indefinite" restart="never" nodeType="tmRoot"/>
-      </p:par>
-    </p:tnLst>
-  </p:timing>
 </p:sld>
 </file>
 
@@ -3643,91 +3626,85 @@
           <a:chExt cx="0" cy="0"/>
         </a:xfrm>
       </p:grpSpPr>
+      <p:sp>
+        <p:nvSpPr>
+          <p:cNvPr id="2" name="Title 1">
+            <a:extLst>
+              <a:ext uri="{FF2B5EF4-FFF2-40B4-BE49-F238E27FC236}">
+                <a16:creationId xmlns:a16="http://schemas.microsoft.com/office/drawing/2014/main" id="{A2B064C3-38AB-27B7-A416-35DF920F2495}"/>
+              </a:ext>
+            </a:extLst>
+          </p:cNvPr>
+          <p:cNvSpPr>
+            <a:spLocks noGrp="1"/>
+          </p:cNvSpPr>
+          <p:nvPr>
+            <p:ph type="title"/>
+          </p:nvPr>
+        </p:nvSpPr>
+        <p:spPr/>
+        <p:txBody>
+          <a:bodyPr/>
+          <a:lstStyle/>
+          <a:p>
+            <a:r>
+              <a:rPr lang="en-US" dirty="0"/>
+              <a:t>MCM Extraction</a:t>
+            </a:r>
+          </a:p>
+        </p:txBody>
+      </p:sp>
       <p:pic>
         <p:nvPicPr>
-          <p:cNvPr id="3075" name="Picture 3"/>
+          <p:cNvPr id="5" name="Picture 4">
+            <a:extLst>
+              <a:ext uri="{FF2B5EF4-FFF2-40B4-BE49-F238E27FC236}">
+                <a16:creationId xmlns:a16="http://schemas.microsoft.com/office/drawing/2014/main" id="{2CC2E174-642F-80CD-3664-97BB907385AE}"/>
+              </a:ext>
+            </a:extLst>
+          </p:cNvPr>
           <p:cNvPicPr>
-            <a:picLocks noChangeAspect="1" noChangeArrowheads="1"/>
+            <a:picLocks noChangeAspect="1"/>
           </p:cNvPicPr>
           <p:nvPr/>
         </p:nvPicPr>
-        <p:blipFill rotWithShape="1">
-          <a:blip r:embed="rId2" cstate="screen">
-            <a:extLst>
-              <a:ext uri="{28A0092B-C50C-407E-A947-70E740481C1C}">
-                <a14:useLocalDpi xmlns:a14="http://schemas.microsoft.com/office/drawing/2010/main"/>
-              </a:ext>
-            </a:extLst>
-          </a:blip>
-          <a:srcRect/>
-          <a:stretch/>
+        <p:blipFill>
+          <a:blip r:embed="rId2"/>
+          <a:stretch>
+            <a:fillRect/>
+          </a:stretch>
         </p:blipFill>
-        <p:spPr bwMode="auto">
-          <a:xfrm>
-            <a:off x="3923369" y="1828800"/>
-            <a:ext cx="5193961" cy="3688465"/>
-          </a:xfrm>
-          <a:prstGeom prst="rect">
-            <a:avLst/>
-          </a:prstGeom>
-          <a:noFill/>
-          <a:ln w="9525">
-            <a:solidFill>
-              <a:schemeClr val="tx1"/>
-            </a:solidFill>
-            <a:miter lim="800000"/>
-            <a:headEnd/>
-            <a:tailEnd/>
-          </a:ln>
-          <a:extLst>
-            <a:ext uri="{909E8E84-426E-40DD-AFC4-6F175D3DCCD1}">
-              <a14:hiddenFill xmlns:a14="http://schemas.microsoft.com/office/drawing/2010/main">
-                <a:solidFill>
-                  <a:schemeClr val="accent1"/>
-                </a:solidFill>
-              </a14:hiddenFill>
-            </a:ext>
-          </a:extLst>
-        </p:spPr>
-      </p:pic>
-      <p:sp>
-        <p:nvSpPr>
-          <p:cNvPr id="2" name="Title 1"/>
-          <p:cNvSpPr>
-            <a:spLocks noGrp="1"/>
-          </p:cNvSpPr>
-          <p:nvPr>
-            <p:ph type="title"/>
-          </p:nvPr>
-        </p:nvSpPr>
-        <p:spPr/>
-        <p:txBody>
-          <a:bodyPr/>
-          <a:lstStyle/>
-          <a:p>
-            <a:r>
-              <a:rPr lang="en-US" dirty="0" smtClean="0"/>
-              <a:t>MCM Extraction</a:t>
-            </a:r>
-            <a:endParaRPr lang="en-US" dirty="0"/>
-          </a:p>
-        </p:txBody>
-      </p:sp>
-      <p:sp>
-        <p:nvSpPr>
-          <p:cNvPr id="5" name="Rectangle 4"/>
-          <p:cNvSpPr/>
-          <p:nvPr/>
-        </p:nvSpPr>
         <p:spPr>
           <a:xfrm>
-            <a:off x="0" y="1752600"/>
-            <a:ext cx="3810000" cy="5016758"/>
+            <a:off x="3988106" y="1676400"/>
+            <a:ext cx="4897916" cy="4191000"/>
           </a:xfrm>
           <a:prstGeom prst="rect">
             <a:avLst/>
           </a:prstGeom>
         </p:spPr>
+      </p:pic>
+      <p:sp>
+        <p:nvSpPr>
+          <p:cNvPr id="6" name="Rectangle 5">
+            <a:extLst>
+              <a:ext uri="{FF2B5EF4-FFF2-40B4-BE49-F238E27FC236}">
+                <a16:creationId xmlns:a16="http://schemas.microsoft.com/office/drawing/2014/main" id="{7A05538B-9548-60C8-1057-D8785A458472}"/>
+              </a:ext>
+            </a:extLst>
+          </p:cNvPr>
+          <p:cNvSpPr/>
+          <p:nvPr/>
+        </p:nvSpPr>
+        <p:spPr>
+          <a:xfrm>
+            <a:off x="145214" y="1258827"/>
+            <a:ext cx="3810000" cy="5324535"/>
+          </a:xfrm>
+          <a:prstGeom prst="rect">
+            <a:avLst/>
+          </a:prstGeom>
+        </p:spPr>
         <p:txBody>
           <a:bodyPr wrap="square">
             <a:spAutoFit/>
@@ -3740,31 +3717,18 @@
             </a:pPr>
             <a:r>
               <a:rPr lang="en-US" sz="2000" dirty="0"/>
-              <a:t>Go to the MCM </a:t>
-            </a:r>
-            <a:r>
-              <a:rPr lang="en-US" sz="2000" dirty="0" smtClean="0"/>
-              <a:t>website, </a:t>
-            </a:r>
-            <a:r>
-              <a:rPr lang="en-US" sz="2000" u="sng" dirty="0" smtClean="0">
+              <a:t>Go to the MCM website, </a:t>
+            </a:r>
+            <a:r>
+              <a:rPr lang="en-US" sz="2000" dirty="0">
                 <a:hlinkClick r:id="rId3"/>
               </a:rPr>
-              <a:t>http</a:t>
-            </a:r>
-            <a:r>
-              <a:rPr lang="en-US" sz="2000" u="sng" dirty="0">
-                <a:hlinkClick r:id="rId3"/>
-              </a:rPr>
-              <a:t>://mcm.leeds.ac.uk/MCM</a:t>
-            </a:r>
-            <a:r>
-              <a:rPr lang="en-US" sz="2000" u="sng" dirty="0" smtClean="0">
-                <a:hlinkClick r:id="rId3"/>
-              </a:rPr>
-              <a:t>/</a:t>
-            </a:r>
-            <a:endParaRPr lang="en-US" sz="2000" dirty="0"/>
+              <a:t>https://mcm.york.ac.uk/MCM/</a:t>
+            </a:r>
+            <a:r>
+              <a:rPr lang="en-US" sz="2000" dirty="0"/>
+              <a:t> </a:t>
+            </a:r>
           </a:p>
           <a:p>
             <a:pPr marL="342900" lvl="0" indent="-342900">
@@ -3780,11 +3744,7 @@
             </a:pPr>
             <a:r>
               <a:rPr lang="en-US" sz="2000" dirty="0"/>
-              <a:t>Near the top, click “Browse</a:t>
-            </a:r>
-            <a:r>
-              <a:rPr lang="en-US" sz="2000" dirty="0" smtClean="0"/>
-              <a:t>.”</a:t>
+              <a:t>Near the top, click “Browse.”</a:t>
             </a:r>
           </a:p>
           <a:p>
@@ -3801,28 +3761,7 @@
             </a:pPr>
             <a:r>
               <a:rPr lang="en-US" sz="2000" dirty="0"/>
-              <a:t>Check all species that you want to include and click the “Add Selection to Mark List” button</a:t>
-            </a:r>
-            <a:r>
-              <a:rPr lang="en-US" sz="2000" dirty="0" smtClean="0"/>
-              <a:t>.</a:t>
-            </a:r>
-          </a:p>
-          <a:p>
-            <a:pPr marL="342900" lvl="0" indent="-342900">
-              <a:buFont typeface="+mj-lt"/>
-              <a:buAutoNum type="arabicPeriod"/>
-            </a:pPr>
-            <a:endParaRPr lang="en-US" sz="2000" dirty="0" smtClean="0"/>
-          </a:p>
-          <a:p>
-            <a:pPr marL="342900" lvl="0" indent="-342900">
-              <a:buFont typeface="+mj-lt"/>
-              <a:buAutoNum type="arabicPeriod"/>
-            </a:pPr>
-            <a:r>
-              <a:rPr lang="en-US" sz="2000" dirty="0" smtClean="0"/>
-              <a:t>Species should then be added to the Mark List (note: may not work properly on all browsers).</a:t>
+              <a:t>Click through the categories to find species you want.</a:t>
             </a:r>
           </a:p>
           <a:p>
@@ -3833,10 +3772,13 @@
             <a:endParaRPr lang="en-US" sz="2000" dirty="0"/>
           </a:p>
           <a:p>
-            <a:pPr lvl="0"/>
-            <a:r>
-              <a:rPr lang="en-US" sz="2000" dirty="0" smtClean="0"/>
-              <a:t>You can also add species using the search tools on the MCM website.</a:t>
+            <a:pPr marL="342900" lvl="0" indent="-342900">
+              <a:buFont typeface="+mj-lt"/>
+              <a:buAutoNum type="arabicPeriod"/>
+            </a:pPr>
+            <a:r>
+              <a:rPr lang="en-US" sz="2000" dirty="0"/>
+              <a:t>Click the green “+” to include species.</a:t>
             </a:r>
           </a:p>
           <a:p>
@@ -3846,17 +3788,50 @@
             </a:pPr>
             <a:endParaRPr lang="en-US" sz="2000" dirty="0"/>
           </a:p>
-        </p:txBody>
-      </p:sp>
-      <p:sp>
-        <p:nvSpPr>
-          <p:cNvPr id="6" name="Oval 5"/>
+          <a:p>
+            <a:pPr marL="342900" lvl="0" indent="-342900">
+              <a:buFont typeface="+mj-lt"/>
+              <a:buAutoNum type="arabicPeriod"/>
+            </a:pPr>
+            <a:r>
+              <a:rPr lang="en-US" sz="2000" dirty="0"/>
+              <a:t>Species can be removed by clicking the red “–” here or in the Mark List.</a:t>
+            </a:r>
+          </a:p>
+          <a:p>
+            <a:pPr marL="342900" lvl="0" indent="-342900">
+              <a:buFont typeface="+mj-lt"/>
+              <a:buAutoNum type="arabicPeriod"/>
+            </a:pPr>
+            <a:endParaRPr lang="en-US" sz="2000" dirty="0"/>
+          </a:p>
+          <a:p>
+            <a:pPr marL="342900" lvl="0" indent="-342900">
+              <a:buFont typeface="+mj-lt"/>
+              <a:buAutoNum type="arabicPeriod"/>
+            </a:pPr>
+            <a:r>
+              <a:rPr lang="en-US" sz="2000" dirty="0"/>
+              <a:t>You can also add species using the search tools.</a:t>
+            </a:r>
+          </a:p>
+        </p:txBody>
+      </p:sp>
+      <p:sp>
+        <p:nvSpPr>
+          <p:cNvPr id="7" name="Oval 6">
+            <a:extLst>
+              <a:ext uri="{FF2B5EF4-FFF2-40B4-BE49-F238E27FC236}">
+                <a16:creationId xmlns:a16="http://schemas.microsoft.com/office/drawing/2014/main" id="{C791585D-BB25-6B90-2D4F-336C509B67A8}"/>
+              </a:ext>
+            </a:extLst>
+          </p:cNvPr>
           <p:cNvSpPr/>
           <p:nvPr/>
         </p:nvSpPr>
         <p:spPr>
           <a:xfrm>
-            <a:off x="4030980" y="1802022"/>
+            <a:off x="4953000" y="1638693"/>
             <a:ext cx="457200" cy="335334"/>
           </a:xfrm>
           <a:prstGeom prst="ellipse">
@@ -3894,13 +3869,19 @@
       </p:sp>
       <p:sp>
         <p:nvSpPr>
-          <p:cNvPr id="7" name="Oval 6"/>
+          <p:cNvPr id="8" name="Oval 7">
+            <a:extLst>
+              <a:ext uri="{FF2B5EF4-FFF2-40B4-BE49-F238E27FC236}">
+                <a16:creationId xmlns:a16="http://schemas.microsoft.com/office/drawing/2014/main" id="{DFAE7DF8-1333-55BE-AD93-1BDC06334402}"/>
+              </a:ext>
+            </a:extLst>
+          </p:cNvPr>
           <p:cNvSpPr/>
           <p:nvPr/>
         </p:nvSpPr>
         <p:spPr>
           <a:xfrm>
-            <a:off x="4107180" y="5006975"/>
+            <a:off x="4221248" y="4846266"/>
             <a:ext cx="381000" cy="335334"/>
           </a:xfrm>
           <a:prstGeom prst="ellipse">
@@ -3938,33 +3919,119 @@
       </p:sp>
       <p:sp>
         <p:nvSpPr>
-          <p:cNvPr id="8" name="Oval 7"/>
-          <p:cNvSpPr/>
+          <p:cNvPr id="9" name="TextBox 8">
+            <a:extLst>
+              <a:ext uri="{FF2B5EF4-FFF2-40B4-BE49-F238E27FC236}">
+                <a16:creationId xmlns:a16="http://schemas.microsoft.com/office/drawing/2014/main" id="{F2DFE066-91ED-6CE3-29B7-E954C05E3FE1}"/>
+              </a:ext>
+            </a:extLst>
+          </p:cNvPr>
+          <p:cNvSpPr txBox="1"/>
           <p:nvPr/>
         </p:nvSpPr>
         <p:spPr>
           <a:xfrm>
-            <a:off x="7882890" y="4622057"/>
-            <a:ext cx="1234440" cy="335334"/>
+            <a:off x="4967926" y="1195881"/>
+            <a:ext cx="340158" cy="461665"/>
           </a:xfrm>
-          <a:prstGeom prst="ellipse">
+          <a:prstGeom prst="rect">
             <a:avLst/>
           </a:prstGeom>
           <a:noFill/>
-          <a:ln w="28575">
+        </p:spPr>
+        <p:txBody>
+          <a:bodyPr wrap="none" rtlCol="0">
+            <a:spAutoFit/>
+          </a:bodyPr>
+          <a:lstStyle/>
+          <a:p>
+            <a:r>
+              <a:rPr lang="en-US" sz="2400" dirty="0">
+                <a:solidFill>
+                  <a:srgbClr val="FF0000"/>
+                </a:solidFill>
+              </a:rPr>
+              <a:t>2</a:t>
+            </a:r>
+          </a:p>
+        </p:txBody>
+      </p:sp>
+      <p:sp>
+        <p:nvSpPr>
+          <p:cNvPr id="11" name="TextBox 10">
+            <a:extLst>
+              <a:ext uri="{FF2B5EF4-FFF2-40B4-BE49-F238E27FC236}">
+                <a16:creationId xmlns:a16="http://schemas.microsoft.com/office/drawing/2014/main" id="{AAF86598-3DBF-98C9-2179-A4186A1F2AA9}"/>
+              </a:ext>
+            </a:extLst>
+          </p:cNvPr>
+          <p:cNvSpPr txBox="1"/>
+          <p:nvPr/>
+        </p:nvSpPr>
+        <p:spPr>
+          <a:xfrm>
+            <a:off x="3745499" y="4051396"/>
+            <a:ext cx="340158" cy="461665"/>
+          </a:xfrm>
+          <a:prstGeom prst="rect">
+            <a:avLst/>
+          </a:prstGeom>
+          <a:noFill/>
+        </p:spPr>
+        <p:txBody>
+          <a:bodyPr wrap="none" rtlCol="0">
+            <a:spAutoFit/>
+          </a:bodyPr>
+          <a:lstStyle/>
+          <a:p>
+            <a:r>
+              <a:rPr lang="en-US" sz="2400" dirty="0">
+                <a:solidFill>
+                  <a:srgbClr val="FF0000"/>
+                </a:solidFill>
+              </a:rPr>
+              <a:t>3</a:t>
+            </a:r>
+          </a:p>
+        </p:txBody>
+      </p:sp>
+      <p:sp>
+        <p:nvSpPr>
+          <p:cNvPr id="12" name="Rectangle 11">
+            <a:extLst>
+              <a:ext uri="{FF2B5EF4-FFF2-40B4-BE49-F238E27FC236}">
+                <a16:creationId xmlns:a16="http://schemas.microsoft.com/office/drawing/2014/main" id="{D4EAF194-D887-6245-7597-E65E8F3059AD}"/>
+              </a:ext>
+            </a:extLst>
+          </p:cNvPr>
+          <p:cNvSpPr/>
+          <p:nvPr/>
+        </p:nvSpPr>
+        <p:spPr>
+          <a:xfrm>
+            <a:off x="4038600" y="3962400"/>
+            <a:ext cx="4724400" cy="679121"/>
+          </a:xfrm>
+          <a:prstGeom prst="rect">
+            <a:avLst/>
+          </a:prstGeom>
+          <a:noFill/>
+          <a:ln>
             <a:solidFill>
               <a:srgbClr val="FF0000"/>
             </a:solidFill>
           </a:ln>
         </p:spPr>
         <p:style>
-          <a:lnRef idx="1">
-            <a:schemeClr val="accent1"/>
+          <a:lnRef idx="2">
+            <a:schemeClr val="accent1">
+              <a:shade val="15000"/>
+            </a:schemeClr>
           </a:lnRef>
-          <a:fillRef idx="3">
+          <a:fillRef idx="1">
             <a:schemeClr val="accent1"/>
           </a:fillRef>
-          <a:effectRef idx="2">
+          <a:effectRef idx="0">
             <a:schemeClr val="accent1"/>
           </a:effectRef>
           <a:fontRef idx="minor">
@@ -3982,284 +4049,136 @@
       </p:sp>
       <p:sp>
         <p:nvSpPr>
-          <p:cNvPr id="11" name="Oval 10"/>
-          <p:cNvSpPr/>
+          <p:cNvPr id="13" name="TextBox 12">
+            <a:extLst>
+              <a:ext uri="{FF2B5EF4-FFF2-40B4-BE49-F238E27FC236}">
+                <a16:creationId xmlns:a16="http://schemas.microsoft.com/office/drawing/2014/main" id="{960C3F49-2B6A-F64C-9926-996EE939F224}"/>
+              </a:ext>
+            </a:extLst>
+          </p:cNvPr>
+          <p:cNvSpPr txBox="1"/>
           <p:nvPr/>
         </p:nvSpPr>
         <p:spPr>
           <a:xfrm>
-            <a:off x="5334000" y="1897326"/>
-            <a:ext cx="2209800" cy="617274"/>
-          </a:xfrm>
-          <a:prstGeom prst="ellipse">
-            <a:avLst/>
-          </a:prstGeom>
-          <a:noFill/>
-          <a:ln w="28575">
-            <a:solidFill>
-              <a:srgbClr val="FF0000"/>
-            </a:solidFill>
-          </a:ln>
-        </p:spPr>
-        <p:style>
-          <a:lnRef idx="1">
-            <a:schemeClr val="accent1"/>
-          </a:lnRef>
-          <a:fillRef idx="3">
-            <a:schemeClr val="accent1"/>
-          </a:fillRef>
-          <a:effectRef idx="2">
-            <a:schemeClr val="accent1"/>
-          </a:effectRef>
-          <a:fontRef idx="minor">
-            <a:schemeClr val="lt1"/>
-          </a:fontRef>
-        </p:style>
-        <p:txBody>
-          <a:bodyPr rtlCol="0" anchor="ctr"/>
-          <a:lstStyle/>
-          <a:p>
-            <a:pPr algn="ctr"/>
-            <a:endParaRPr lang="en-US"/>
-          </a:p>
-        </p:txBody>
-      </p:sp>
-    </p:spTree>
-    <p:extLst>
-      <p:ext uri="{BB962C8B-B14F-4D97-AF65-F5344CB8AC3E}">
-        <p14:creationId xmlns:p14="http://schemas.microsoft.com/office/powerpoint/2010/main" val="3657691504"/>
-      </p:ext>
-    </p:extLst>
-  </p:cSld>
-  <p:clrMapOvr>
-    <a:masterClrMapping/>
-  </p:clrMapOvr>
-  <p:timing>
-    <p:tnLst>
-      <p:par>
-        <p:cTn id="1" dur="indefinite" restart="never" nodeType="tmRoot"/>
-      </p:par>
-    </p:tnLst>
-  </p:timing>
-</p:sld>
-</file>
-
-<file path=ppt/slides/slide12.xml><?xml version="1.0" encoding="utf-8"?>
-<p:sld xmlns:a="http://schemas.openxmlformats.org/drawingml/2006/main" xmlns:r="http://schemas.openxmlformats.org/officeDocument/2006/relationships" xmlns:p="http://schemas.openxmlformats.org/presentationml/2006/main">
-  <p:cSld>
-    <p:spTree>
-      <p:nvGrpSpPr>
-        <p:cNvPr id="1" name=""/>
-        <p:cNvGrpSpPr/>
-        <p:nvPr/>
-      </p:nvGrpSpPr>
-      <p:grpSpPr>
-        <a:xfrm>
-          <a:off x="0" y="0"/>
-          <a:ext cx="0" cy="0"/>
-          <a:chOff x="0" y="0"/>
-          <a:chExt cx="0" cy="0"/>
-        </a:xfrm>
-      </p:grpSpPr>
-      <p:sp>
-        <p:nvSpPr>
-          <p:cNvPr id="2" name="Title 1"/>
-          <p:cNvSpPr>
-            <a:spLocks noGrp="1"/>
-          </p:cNvSpPr>
-          <p:nvPr>
-            <p:ph type="title"/>
-          </p:nvPr>
-        </p:nvSpPr>
-        <p:spPr>
-          <a:xfrm>
-            <a:off x="457200" y="228600"/>
-            <a:ext cx="8229600" cy="1143000"/>
-          </a:xfrm>
-        </p:spPr>
-        <p:txBody>
-          <a:bodyPr/>
-          <a:lstStyle/>
-          <a:p>
-            <a:r>
-              <a:rPr lang="en-US" dirty="0" smtClean="0"/>
-              <a:t>MCM Extraction</a:t>
-            </a:r>
-            <a:endParaRPr lang="en-US" dirty="0"/>
-          </a:p>
-        </p:txBody>
-      </p:sp>
-      <p:sp>
-        <p:nvSpPr>
-          <p:cNvPr id="4" name="Rectangle 3"/>
-          <p:cNvSpPr/>
-          <p:nvPr/>
-        </p:nvSpPr>
-        <p:spPr>
-          <a:xfrm>
-            <a:off x="38100" y="1474887"/>
-            <a:ext cx="3695700" cy="4247317"/>
-          </a:xfrm>
-          <a:prstGeom prst="rect">
-            <a:avLst/>
-          </a:prstGeom>
-        </p:spPr>
-        <p:txBody>
-          <a:bodyPr wrap="square">
-            <a:spAutoFit/>
-          </a:bodyPr>
-          <a:lstStyle/>
-          <a:p>
-            <a:pPr marL="342900" indent="-342900">
-              <a:buFont typeface="+mj-lt"/>
-              <a:buAutoNum type="arabicPeriod" startAt="5"/>
-            </a:pPr>
-            <a:r>
-              <a:rPr lang="en-US" dirty="0" smtClean="0"/>
-              <a:t>Near the top, click “Extract.”</a:t>
-            </a:r>
-          </a:p>
-          <a:p>
-            <a:pPr marL="342900" indent="-342900">
-              <a:buFont typeface="+mj-lt"/>
-              <a:buAutoNum type="arabicPeriod" startAt="5"/>
-            </a:pPr>
-            <a:endParaRPr lang="en-US" dirty="0" smtClean="0"/>
-          </a:p>
-          <a:p>
-            <a:pPr marL="342900" lvl="0" indent="-342900">
-              <a:buFont typeface="+mj-lt"/>
-              <a:buAutoNum type="arabicPeriod" startAt="5"/>
-            </a:pPr>
-            <a:r>
-              <a:rPr lang="en-US" dirty="0" smtClean="0"/>
-              <a:t>Select “FACSIMILE input format.” Also, check the “Include inorganic reactions?” box.</a:t>
-            </a:r>
-          </a:p>
-          <a:p>
-            <a:pPr marL="342900" lvl="0" indent="-342900">
-              <a:buFont typeface="+mj-lt"/>
-              <a:buAutoNum type="arabicPeriod" startAt="5"/>
-            </a:pPr>
-            <a:endParaRPr lang="en-US" dirty="0" smtClean="0"/>
-          </a:p>
-          <a:p>
-            <a:pPr marL="342900" lvl="0" indent="-342900">
-              <a:buFont typeface="+mj-lt"/>
-              <a:buAutoNum type="arabicPeriod" startAt="5"/>
-            </a:pPr>
-            <a:r>
-              <a:rPr lang="en-US" dirty="0" smtClean="0"/>
-              <a:t>Click the “Extract” button to download the mechanism subset to a text file (</a:t>
-            </a:r>
-            <a:r>
-              <a:rPr lang="en-US" dirty="0" err="1" smtClean="0"/>
-              <a:t>mcm_subset</a:t>
-            </a:r>
-            <a:r>
-              <a:rPr lang="en-US" dirty="0" smtClean="0"/>
-              <a:t> .</a:t>
-            </a:r>
-            <a:r>
-              <a:rPr lang="en-US" dirty="0" err="1" smtClean="0"/>
-              <a:t>fac</a:t>
-            </a:r>
-            <a:r>
-              <a:rPr lang="en-US" dirty="0" smtClean="0"/>
-              <a:t>). </a:t>
-            </a:r>
-          </a:p>
-          <a:p>
-            <a:pPr marL="342900" lvl="0" indent="-342900">
-              <a:buFont typeface="+mj-lt"/>
-              <a:buAutoNum type="arabicPeriod" startAt="5"/>
-            </a:pPr>
-            <a:endParaRPr lang="en-US" dirty="0" smtClean="0"/>
-          </a:p>
-          <a:p>
-            <a:pPr marL="342900" lvl="0" indent="-342900">
-              <a:buFont typeface="+mj-lt"/>
-              <a:buAutoNum type="arabicPeriod" startAt="5"/>
-            </a:pPr>
-            <a:r>
-              <a:rPr lang="en-US" dirty="0" smtClean="0"/>
-              <a:t>Give this file a more descriptive name and move it to somewhere on your MATLAB search path, e.g. F0AMv31\</a:t>
-            </a:r>
-            <a:r>
-              <a:rPr lang="en-US" dirty="0" err="1" smtClean="0"/>
-              <a:t>Chem</a:t>
-            </a:r>
-            <a:r>
-              <a:rPr lang="en-US" dirty="0" smtClean="0"/>
-              <a:t>\MCMv331\</a:t>
-            </a:r>
-            <a:r>
-              <a:rPr lang="en-US" dirty="0" err="1" smtClean="0"/>
-              <a:t>Alcohols.fac</a:t>
-            </a:r>
-            <a:r>
-              <a:rPr lang="en-US" dirty="0" smtClean="0"/>
-              <a:t>).</a:t>
-            </a:r>
-          </a:p>
-        </p:txBody>
-      </p:sp>
-      <p:pic>
-        <p:nvPicPr>
-          <p:cNvPr id="4098" name="Picture 2"/>
-          <p:cNvPicPr>
-            <a:picLocks noChangeAspect="1" noChangeArrowheads="1"/>
-          </p:cNvPicPr>
-          <p:nvPr/>
-        </p:nvPicPr>
-        <p:blipFill rotWithShape="1">
-          <a:blip r:embed="rId2" cstate="screen">
-            <a:extLst>
-              <a:ext uri="{28A0092B-C50C-407E-A947-70E740481C1C}">
-                <a14:useLocalDpi xmlns:a14="http://schemas.microsoft.com/office/drawing/2010/main"/>
-              </a:ext>
-            </a:extLst>
-          </a:blip>
-          <a:srcRect/>
-          <a:stretch/>
-        </p:blipFill>
-        <p:spPr bwMode="auto">
-          <a:xfrm>
-            <a:off x="3802155" y="1524000"/>
-            <a:ext cx="5265645" cy="4927485"/>
+            <a:off x="3923982" y="4900283"/>
+            <a:ext cx="340158" cy="461665"/>
           </a:xfrm>
           <a:prstGeom prst="rect">
             <a:avLst/>
           </a:prstGeom>
           <a:noFill/>
-          <a:ln w="9525">
-            <a:solidFill>
-              <a:schemeClr val="tx1"/>
-            </a:solidFill>
-            <a:miter lim="800000"/>
-            <a:headEnd/>
-            <a:tailEnd/>
-          </a:ln>
-          <a:extLst>
-            <a:ext uri="{909E8E84-426E-40DD-AFC4-6F175D3DCCD1}">
-              <a14:hiddenFill xmlns:a14="http://schemas.microsoft.com/office/drawing/2010/main">
+        </p:spPr>
+        <p:txBody>
+          <a:bodyPr wrap="none" rtlCol="0">
+            <a:spAutoFit/>
+          </a:bodyPr>
+          <a:lstStyle/>
+          <a:p>
+            <a:r>
+              <a:rPr lang="en-US" sz="2400" dirty="0">
                 <a:solidFill>
-                  <a:schemeClr val="accent1"/>
+                  <a:srgbClr val="FF0000"/>
                 </a:solidFill>
-              </a14:hiddenFill>
-            </a:ext>
-          </a:extLst>
+              </a:rPr>
+              <a:t>4</a:t>
+            </a:r>
+          </a:p>
+        </p:txBody>
+      </p:sp>
+      <p:sp>
+        <p:nvSpPr>
+          <p:cNvPr id="14" name="TextBox 13">
+            <a:extLst>
+              <a:ext uri="{FF2B5EF4-FFF2-40B4-BE49-F238E27FC236}">
+                <a16:creationId xmlns:a16="http://schemas.microsoft.com/office/drawing/2014/main" id="{3F2DF0AF-871B-FE53-73F0-C9030A8189B3}"/>
+              </a:ext>
+            </a:extLst>
+          </p:cNvPr>
+          <p:cNvSpPr txBox="1"/>
+          <p:nvPr/>
+        </p:nvSpPr>
+        <p:spPr>
+          <a:xfrm>
+            <a:off x="7678434" y="1931867"/>
+            <a:ext cx="340158" cy="461665"/>
+          </a:xfrm>
+          <a:prstGeom prst="rect">
+            <a:avLst/>
+          </a:prstGeom>
+          <a:noFill/>
         </p:spPr>
-      </p:pic>
-      <p:sp>
-        <p:nvSpPr>
-          <p:cNvPr id="6" name="Oval 5"/>
+        <p:txBody>
+          <a:bodyPr wrap="none" rtlCol="0">
+            <a:spAutoFit/>
+          </a:bodyPr>
+          <a:lstStyle/>
+          <a:p>
+            <a:r>
+              <a:rPr lang="en-US" sz="2400" dirty="0">
+                <a:solidFill>
+                  <a:srgbClr val="FF0000"/>
+                </a:solidFill>
+              </a:rPr>
+              <a:t>6</a:t>
+            </a:r>
+          </a:p>
+        </p:txBody>
+      </p:sp>
+      <p:sp>
+        <p:nvSpPr>
+          <p:cNvPr id="15" name="TextBox 14">
+            <a:extLst>
+              <a:ext uri="{FF2B5EF4-FFF2-40B4-BE49-F238E27FC236}">
+                <a16:creationId xmlns:a16="http://schemas.microsoft.com/office/drawing/2014/main" id="{3AC9BC8A-131F-27A8-5C92-28DEB8D4D212}"/>
+              </a:ext>
+            </a:extLst>
+          </p:cNvPr>
+          <p:cNvSpPr txBox="1"/>
+          <p:nvPr/>
+        </p:nvSpPr>
+        <p:spPr>
+          <a:xfrm>
+            <a:off x="8578756" y="1974027"/>
+            <a:ext cx="340158" cy="461665"/>
+          </a:xfrm>
+          <a:prstGeom prst="rect">
+            <a:avLst/>
+          </a:prstGeom>
+          <a:noFill/>
+        </p:spPr>
+        <p:txBody>
+          <a:bodyPr wrap="none" rtlCol="0">
+            <a:spAutoFit/>
+          </a:bodyPr>
+          <a:lstStyle/>
+          <a:p>
+            <a:r>
+              <a:rPr lang="en-US" sz="2400" dirty="0">
+                <a:solidFill>
+                  <a:srgbClr val="FF0000"/>
+                </a:solidFill>
+              </a:rPr>
+              <a:t>5</a:t>
+            </a:r>
+          </a:p>
+        </p:txBody>
+      </p:sp>
+      <p:sp>
+        <p:nvSpPr>
+          <p:cNvPr id="16" name="Oval 15">
+            <a:extLst>
+              <a:ext uri="{FF2B5EF4-FFF2-40B4-BE49-F238E27FC236}">
+                <a16:creationId xmlns:a16="http://schemas.microsoft.com/office/drawing/2014/main" id="{F3A9E3FE-4914-D3FB-5035-5FEB4F82838E}"/>
+              </a:ext>
+            </a:extLst>
+          </p:cNvPr>
           <p:cNvSpPr/>
           <p:nvPr/>
         </p:nvSpPr>
         <p:spPr>
           <a:xfrm>
-            <a:off x="5078506" y="1447719"/>
+            <a:off x="8520235" y="1619840"/>
             <a:ext cx="457200" cy="335334"/>
           </a:xfrm>
           <a:prstGeom prst="ellipse">
@@ -4297,14 +4216,20 @@
       </p:sp>
       <p:sp>
         <p:nvSpPr>
-          <p:cNvPr id="7" name="Oval 6"/>
+          <p:cNvPr id="17" name="Oval 16">
+            <a:extLst>
+              <a:ext uri="{FF2B5EF4-FFF2-40B4-BE49-F238E27FC236}">
+                <a16:creationId xmlns:a16="http://schemas.microsoft.com/office/drawing/2014/main" id="{55CCDC5F-1987-CAEC-7363-DFE84BFD711F}"/>
+              </a:ext>
+            </a:extLst>
+          </p:cNvPr>
           <p:cNvSpPr/>
           <p:nvPr/>
         </p:nvSpPr>
         <p:spPr>
           <a:xfrm>
-            <a:off x="3779294" y="3474666"/>
-            <a:ext cx="4042412" cy="335334"/>
+            <a:off x="7167365" y="1638693"/>
+            <a:ext cx="1454986" cy="335334"/>
           </a:xfrm>
           <a:prstGeom prst="ellipse">
             <a:avLst/>
@@ -4339,16 +4264,219 @@
           </a:p>
         </p:txBody>
       </p:sp>
-      <p:sp>
-        <p:nvSpPr>
-          <p:cNvPr id="8" name="Oval 7"/>
+    </p:spTree>
+    <p:extLst>
+      <p:ext uri="{BB962C8B-B14F-4D97-AF65-F5344CB8AC3E}">
+        <p14:creationId xmlns:p14="http://schemas.microsoft.com/office/powerpoint/2010/main" val="2984956590"/>
+      </p:ext>
+    </p:extLst>
+  </p:cSld>
+  <p:clrMapOvr>
+    <a:masterClrMapping/>
+  </p:clrMapOvr>
+</p:sld>
+</file>
+
+<file path=ppt/slides/slide12.xml><?xml version="1.0" encoding="utf-8"?>
+<p:sld xmlns:a="http://schemas.openxmlformats.org/drawingml/2006/main" xmlns:r="http://schemas.openxmlformats.org/officeDocument/2006/relationships" xmlns:p="http://schemas.openxmlformats.org/presentationml/2006/main">
+  <p:cSld>
+    <p:spTree>
+      <p:nvGrpSpPr>
+        <p:cNvPr id="1" name=""/>
+        <p:cNvGrpSpPr/>
+        <p:nvPr/>
+      </p:nvGrpSpPr>
+      <p:grpSpPr>
+        <a:xfrm>
+          <a:off x="0" y="0"/>
+          <a:ext cx="0" cy="0"/>
+          <a:chOff x="0" y="0"/>
+          <a:chExt cx="0" cy="0"/>
+        </a:xfrm>
+      </p:grpSpPr>
+      <p:sp>
+        <p:nvSpPr>
+          <p:cNvPr id="2" name="Title 1">
+            <a:extLst>
+              <a:ext uri="{FF2B5EF4-FFF2-40B4-BE49-F238E27FC236}">
+                <a16:creationId xmlns:a16="http://schemas.microsoft.com/office/drawing/2014/main" id="{990725A3-25D6-17B5-F0D1-F017612F9D87}"/>
+              </a:ext>
+            </a:extLst>
+          </p:cNvPr>
+          <p:cNvSpPr>
+            <a:spLocks noGrp="1"/>
+          </p:cNvSpPr>
+          <p:nvPr>
+            <p:ph type="title"/>
+          </p:nvPr>
+        </p:nvSpPr>
+        <p:spPr/>
+        <p:txBody>
+          <a:bodyPr/>
+          <a:lstStyle/>
+          <a:p>
+            <a:r>
+              <a:rPr lang="en-US" dirty="0"/>
+              <a:t>MCM Extraction</a:t>
+            </a:r>
+          </a:p>
+        </p:txBody>
+      </p:sp>
+      <p:pic>
+        <p:nvPicPr>
+          <p:cNvPr id="5" name="Picture 4">
+            <a:extLst>
+              <a:ext uri="{FF2B5EF4-FFF2-40B4-BE49-F238E27FC236}">
+                <a16:creationId xmlns:a16="http://schemas.microsoft.com/office/drawing/2014/main" id="{077D32FD-8315-EDEC-F592-2761E24A29A7}"/>
+              </a:ext>
+            </a:extLst>
+          </p:cNvPr>
+          <p:cNvPicPr>
+            <a:picLocks noChangeAspect="1"/>
+          </p:cNvPicPr>
+          <p:nvPr/>
+        </p:nvPicPr>
+        <p:blipFill>
+          <a:blip r:embed="rId2"/>
+          <a:stretch>
+            <a:fillRect/>
+          </a:stretch>
+        </p:blipFill>
+        <p:spPr>
+          <a:xfrm>
+            <a:off x="3886200" y="2125114"/>
+            <a:ext cx="4964161" cy="2026606"/>
+          </a:xfrm>
+          <a:prstGeom prst="rect">
+            <a:avLst/>
+          </a:prstGeom>
+        </p:spPr>
+      </p:pic>
+      <p:sp>
+        <p:nvSpPr>
+          <p:cNvPr id="6" name="Rectangle 5">
+            <a:extLst>
+              <a:ext uri="{FF2B5EF4-FFF2-40B4-BE49-F238E27FC236}">
+                <a16:creationId xmlns:a16="http://schemas.microsoft.com/office/drawing/2014/main" id="{06476147-86F2-B664-C94C-16A3D1E07C00}"/>
+              </a:ext>
+            </a:extLst>
+          </p:cNvPr>
           <p:cNvSpPr/>
           <p:nvPr/>
         </p:nvSpPr>
         <p:spPr>
           <a:xfrm>
-            <a:off x="3802155" y="5303466"/>
-            <a:ext cx="1767841" cy="335334"/>
+            <a:off x="38100" y="1474887"/>
+            <a:ext cx="3695700" cy="4801314"/>
+          </a:xfrm>
+          <a:prstGeom prst="rect">
+            <a:avLst/>
+          </a:prstGeom>
+        </p:spPr>
+        <p:txBody>
+          <a:bodyPr wrap="square">
+            <a:spAutoFit/>
+          </a:bodyPr>
+          <a:lstStyle/>
+          <a:p>
+            <a:pPr lvl="0"/>
+            <a:endParaRPr lang="en-US" dirty="0"/>
+          </a:p>
+          <a:p>
+            <a:pPr marL="342900" lvl="0" indent="-342900">
+              <a:buFont typeface="+mj-lt"/>
+              <a:buAutoNum type="arabicPeriod" startAt="7"/>
+            </a:pPr>
+            <a:r>
+              <a:rPr lang="en-US" dirty="0"/>
+              <a:t>Near the top, click “Export.”</a:t>
+            </a:r>
+          </a:p>
+          <a:p>
+            <a:pPr marL="342900" lvl="0" indent="-342900">
+              <a:buFont typeface="+mj-lt"/>
+              <a:buAutoNum type="arabicPeriod" startAt="7"/>
+            </a:pPr>
+            <a:endParaRPr lang="en-US" dirty="0"/>
+          </a:p>
+          <a:p>
+            <a:pPr marL="342900" lvl="0" indent="-342900">
+              <a:buFont typeface="+mj-lt"/>
+              <a:buAutoNum type="arabicPeriod" startAt="7"/>
+            </a:pPr>
+            <a:r>
+              <a:rPr lang="en-US" dirty="0"/>
+              <a:t>Select “FACSIMILE input format” and “Include inorganic reactions.” Unselect “include generic rate coefficients.”</a:t>
+            </a:r>
+          </a:p>
+          <a:p>
+            <a:pPr marL="342900" lvl="0" indent="-342900">
+              <a:buFont typeface="+mj-lt"/>
+              <a:buAutoNum type="arabicPeriod" startAt="7"/>
+            </a:pPr>
+            <a:endParaRPr lang="en-US" dirty="0"/>
+          </a:p>
+          <a:p>
+            <a:pPr marL="342900" lvl="0" indent="-342900">
+              <a:buFont typeface="+mj-lt"/>
+              <a:buAutoNum type="arabicPeriod" startAt="7"/>
+            </a:pPr>
+            <a:r>
+              <a:rPr lang="en-US" dirty="0"/>
+              <a:t>Click “Download” to download to a text file (default name is </a:t>
+            </a:r>
+            <a:r>
+              <a:rPr lang="en-US" dirty="0" err="1"/>
+              <a:t>mcm_export.fac</a:t>
+            </a:r>
+            <a:r>
+              <a:rPr lang="en-US" dirty="0"/>
+              <a:t>)</a:t>
+            </a:r>
+          </a:p>
+          <a:p>
+            <a:pPr marL="342900" lvl="0" indent="-342900">
+              <a:buFont typeface="+mj-lt"/>
+              <a:buAutoNum type="arabicPeriod" startAt="7"/>
+            </a:pPr>
+            <a:endParaRPr lang="en-US" dirty="0"/>
+          </a:p>
+          <a:p>
+            <a:pPr marL="342900" lvl="0" indent="-342900">
+              <a:buFont typeface="+mj-lt"/>
+              <a:buAutoNum type="arabicPeriod" startAt="7"/>
+            </a:pPr>
+            <a:r>
+              <a:rPr lang="en-US" dirty="0"/>
+              <a:t>Give this file a more descriptive name and move it to somewhere on your MATLAB search path, e.g. F0AMv31\Chem\MCMv331\</a:t>
+            </a:r>
+            <a:r>
+              <a:rPr lang="en-US" dirty="0" err="1"/>
+              <a:t>Alkanes.fac</a:t>
+            </a:r>
+            <a:r>
+              <a:rPr lang="en-US" dirty="0"/>
+              <a:t>).</a:t>
+            </a:r>
+          </a:p>
+        </p:txBody>
+      </p:sp>
+      <p:sp>
+        <p:nvSpPr>
+          <p:cNvPr id="7" name="Oval 6">
+            <a:extLst>
+              <a:ext uri="{FF2B5EF4-FFF2-40B4-BE49-F238E27FC236}">
+                <a16:creationId xmlns:a16="http://schemas.microsoft.com/office/drawing/2014/main" id="{3F296CCB-E2DF-DD09-D9CC-DA2B7A20B1D3}"/>
+              </a:ext>
+            </a:extLst>
+          </p:cNvPr>
+          <p:cNvSpPr/>
+          <p:nvPr/>
+        </p:nvSpPr>
+        <p:spPr>
+          <a:xfrm>
+            <a:off x="5225197" y="2106261"/>
+            <a:ext cx="457200" cy="335334"/>
           </a:xfrm>
           <a:prstGeom prst="ellipse">
             <a:avLst/>
@@ -4385,14 +4513,98 @@
       </p:sp>
       <p:sp>
         <p:nvSpPr>
-          <p:cNvPr id="9" name="Oval 8"/>
+          <p:cNvPr id="8" name="TextBox 7">
+            <a:extLst>
+              <a:ext uri="{FF2B5EF4-FFF2-40B4-BE49-F238E27FC236}">
+                <a16:creationId xmlns:a16="http://schemas.microsoft.com/office/drawing/2014/main" id="{B01EFC70-5475-4A8A-8D20-E65D1184E90F}"/>
+              </a:ext>
+            </a:extLst>
+          </p:cNvPr>
+          <p:cNvSpPr txBox="1"/>
+          <p:nvPr/>
+        </p:nvSpPr>
+        <p:spPr>
+          <a:xfrm>
+            <a:off x="5240123" y="1663449"/>
+            <a:ext cx="340158" cy="461665"/>
+          </a:xfrm>
+          <a:prstGeom prst="rect">
+            <a:avLst/>
+          </a:prstGeom>
+          <a:noFill/>
+        </p:spPr>
+        <p:txBody>
+          <a:bodyPr wrap="none" rtlCol="0">
+            <a:spAutoFit/>
+          </a:bodyPr>
+          <a:lstStyle/>
+          <a:p>
+            <a:r>
+              <a:rPr lang="en-US" sz="2400" dirty="0">
+                <a:solidFill>
+                  <a:srgbClr val="FF0000"/>
+                </a:solidFill>
+              </a:rPr>
+              <a:t>7</a:t>
+            </a:r>
+          </a:p>
+        </p:txBody>
+      </p:sp>
+      <p:sp>
+        <p:nvSpPr>
+          <p:cNvPr id="10" name="TextBox 9">
+            <a:extLst>
+              <a:ext uri="{FF2B5EF4-FFF2-40B4-BE49-F238E27FC236}">
+                <a16:creationId xmlns:a16="http://schemas.microsoft.com/office/drawing/2014/main" id="{55A343C7-B5BF-BADB-CFFD-AED1F1169022}"/>
+              </a:ext>
+            </a:extLst>
+          </p:cNvPr>
+          <p:cNvSpPr txBox="1"/>
+          <p:nvPr/>
+        </p:nvSpPr>
+        <p:spPr>
+          <a:xfrm>
+            <a:off x="5334000" y="3071836"/>
+            <a:ext cx="340158" cy="461665"/>
+          </a:xfrm>
+          <a:prstGeom prst="rect">
+            <a:avLst/>
+          </a:prstGeom>
+          <a:noFill/>
+        </p:spPr>
+        <p:txBody>
+          <a:bodyPr wrap="none" rtlCol="0">
+            <a:spAutoFit/>
+          </a:bodyPr>
+          <a:lstStyle/>
+          <a:p>
+            <a:r>
+              <a:rPr lang="en-US" sz="2400" dirty="0">
+                <a:solidFill>
+                  <a:srgbClr val="FF0000"/>
+                </a:solidFill>
+              </a:rPr>
+              <a:t>8</a:t>
+            </a:r>
+          </a:p>
+        </p:txBody>
+      </p:sp>
+      <p:sp>
+        <p:nvSpPr>
+          <p:cNvPr id="11" name="Oval 10">
+            <a:extLst>
+              <a:ext uri="{FF2B5EF4-FFF2-40B4-BE49-F238E27FC236}">
+                <a16:creationId xmlns:a16="http://schemas.microsoft.com/office/drawing/2014/main" id="{34FB2855-50C2-FA9C-4E32-624A4AF3D4A0}"/>
+              </a:ext>
+            </a:extLst>
+          </p:cNvPr>
           <p:cNvSpPr/>
           <p:nvPr/>
         </p:nvSpPr>
         <p:spPr>
           <a:xfrm>
-            <a:off x="3813584" y="5977446"/>
-            <a:ext cx="685801" cy="335334"/>
+            <a:off x="3910552" y="3816386"/>
+            <a:ext cx="661447" cy="335334"/>
           </a:xfrm>
           <a:prstGeom prst="ellipse">
             <a:avLst/>
@@ -4427,23 +4639,107 @@
           </a:p>
         </p:txBody>
       </p:sp>
+      <p:sp>
+        <p:nvSpPr>
+          <p:cNvPr id="12" name="TextBox 11">
+            <a:extLst>
+              <a:ext uri="{FF2B5EF4-FFF2-40B4-BE49-F238E27FC236}">
+                <a16:creationId xmlns:a16="http://schemas.microsoft.com/office/drawing/2014/main" id="{1B2D30BC-B316-AEE7-B595-7664165917B4}"/>
+              </a:ext>
+            </a:extLst>
+          </p:cNvPr>
+          <p:cNvSpPr txBox="1"/>
+          <p:nvPr/>
+        </p:nvSpPr>
+        <p:spPr>
+          <a:xfrm>
+            <a:off x="4064955" y="4170573"/>
+            <a:ext cx="492118" cy="461665"/>
+          </a:xfrm>
+          <a:prstGeom prst="rect">
+            <a:avLst/>
+          </a:prstGeom>
+          <a:noFill/>
+        </p:spPr>
+        <p:txBody>
+          <a:bodyPr wrap="square" rtlCol="0">
+            <a:spAutoFit/>
+          </a:bodyPr>
+          <a:lstStyle/>
+          <a:p>
+            <a:r>
+              <a:rPr lang="en-US" sz="2400" dirty="0">
+                <a:solidFill>
+                  <a:srgbClr val="FF0000"/>
+                </a:solidFill>
+              </a:rPr>
+              <a:t>9</a:t>
+            </a:r>
+          </a:p>
+        </p:txBody>
+      </p:sp>
+      <p:sp>
+        <p:nvSpPr>
+          <p:cNvPr id="13" name="Rectangle 12">
+            <a:extLst>
+              <a:ext uri="{FF2B5EF4-FFF2-40B4-BE49-F238E27FC236}">
+                <a16:creationId xmlns:a16="http://schemas.microsoft.com/office/drawing/2014/main" id="{1E90DAB0-0248-DBEF-B3FA-D3868DCDE961}"/>
+              </a:ext>
+            </a:extLst>
+          </p:cNvPr>
+          <p:cNvSpPr/>
+          <p:nvPr/>
+        </p:nvSpPr>
+        <p:spPr>
+          <a:xfrm>
+            <a:off x="3923513" y="2980711"/>
+            <a:ext cx="1410487" cy="816822"/>
+          </a:xfrm>
+          <a:prstGeom prst="rect">
+            <a:avLst/>
+          </a:prstGeom>
+          <a:noFill/>
+          <a:ln>
+            <a:solidFill>
+              <a:srgbClr val="FF0000"/>
+            </a:solidFill>
+          </a:ln>
+        </p:spPr>
+        <p:style>
+          <a:lnRef idx="2">
+            <a:schemeClr val="accent1">
+              <a:shade val="15000"/>
+            </a:schemeClr>
+          </a:lnRef>
+          <a:fillRef idx="1">
+            <a:schemeClr val="accent1"/>
+          </a:fillRef>
+          <a:effectRef idx="0">
+            <a:schemeClr val="accent1"/>
+          </a:effectRef>
+          <a:fontRef idx="minor">
+            <a:schemeClr val="lt1"/>
+          </a:fontRef>
+        </p:style>
+        <p:txBody>
+          <a:bodyPr rtlCol="0" anchor="ctr"/>
+          <a:lstStyle/>
+          <a:p>
+            <a:pPr algn="ctr"/>
+            <a:endParaRPr lang="en-US"/>
+          </a:p>
+        </p:txBody>
+      </p:sp>
     </p:spTree>
     <p:extLst>
       <p:ext uri="{BB962C8B-B14F-4D97-AF65-F5344CB8AC3E}">
-        <p14:creationId xmlns:p14="http://schemas.microsoft.com/office/powerpoint/2010/main" val="3171136672"/>
+        <p14:creationId xmlns:p14="http://schemas.microsoft.com/office/powerpoint/2010/main" val="4072898667"/>
       </p:ext>
     </p:extLst>
   </p:cSld>
   <p:clrMapOvr>
     <a:masterClrMapping/>
   </p:clrMapOvr>
-  <p:timing>
-    <p:tnLst>
-      <p:par>
-        <p:cTn id="1" dur="indefinite" restart="never" nodeType="tmRoot"/>
-      </p:par>
-    </p:tnLst>
-  </p:timing>
 </p:sld>
 </file>
 
@@ -4480,10 +4776,9 @@
           <a:lstStyle/>
           <a:p>
             <a:r>
-              <a:rPr lang="en-US" dirty="0" smtClean="0"/>
+              <a:rPr lang="en-US" dirty="0"/>
               <a:t>MCM Extraction</a:t>
             </a:r>
-            <a:endParaRPr lang="en-US" dirty="0"/>
           </a:p>
         </p:txBody>
       </p:sp>
@@ -4510,18 +4805,18 @@
           <a:p>
             <a:pPr marL="342900" lvl="0" indent="-342900">
               <a:buFont typeface="+mj-lt"/>
-              <a:buAutoNum type="arabicPeriod" startAt="9"/>
+              <a:buAutoNum type="arabicPeriod" startAt="11"/>
             </a:pPr>
             <a:r>
-              <a:rPr lang="en-US" dirty="0" smtClean="0"/>
+              <a:rPr lang="en-US" dirty="0"/>
               <a:t>In the MATLAB command window, call the </a:t>
             </a:r>
             <a:r>
-              <a:rPr lang="en-US" b="1" dirty="0" smtClean="0"/>
+              <a:rPr lang="en-US" b="1" dirty="0"/>
               <a:t>FAC2F0AM</a:t>
             </a:r>
             <a:r>
-              <a:rPr lang="en-US" dirty="0" smtClean="0"/>
+              <a:rPr lang="en-US" dirty="0"/>
               <a:t> function, e.g.:</a:t>
             </a:r>
           </a:p>
@@ -4532,15 +4827,15 @@
           <a:p>
             <a:pPr lvl="0"/>
             <a:r>
-              <a:rPr lang="en-US" dirty="0" smtClean="0"/>
+              <a:rPr lang="en-US" dirty="0"/>
               <a:t>FAC2F0AM(‘</a:t>
             </a:r>
             <a:r>
-              <a:rPr lang="en-US" dirty="0" err="1" smtClean="0"/>
-              <a:t>Alcohols.fac</a:t>
-            </a:r>
-            <a:r>
-              <a:rPr lang="en-US" dirty="0" smtClean="0"/>
+              <a:rPr lang="en-US" dirty="0" err="1"/>
+              <a:t>Alkanes.fac</a:t>
+            </a:r>
+            <a:r>
+              <a:rPr lang="en-US" dirty="0"/>
               <a:t>’)</a:t>
             </a:r>
           </a:p>
@@ -4551,26 +4846,30 @@
           <a:p>
             <a:pPr lvl="0"/>
             <a:r>
-              <a:rPr lang="en-US" dirty="0" smtClean="0"/>
+              <a:rPr lang="en-US" dirty="0"/>
               <a:t>This will create a script that contains properly formatted reactions, with the same name and in the same directory(e.g. </a:t>
             </a:r>
             <a:r>
-              <a:rPr lang="en-US" dirty="0" err="1" smtClean="0"/>
-              <a:t>Alcohols.m</a:t>
-            </a:r>
-            <a:r>
-              <a:rPr lang="en-US" dirty="0" smtClean="0"/>
+              <a:rPr lang="en-US" dirty="0" err="1"/>
+              <a:t>Alkanes.m</a:t>
+            </a:r>
+            <a:r>
+              <a:rPr lang="en-US" dirty="0"/>
               <a:t>).</a:t>
             </a:r>
           </a:p>
           <a:p>
             <a:pPr lvl="0"/>
-            <a:endParaRPr lang="en-US" dirty="0" smtClean="0"/>
-          </a:p>
-          <a:p>
+            <a:endParaRPr lang="en-US" dirty="0"/>
+          </a:p>
+          <a:p>
+            <a:r>
+              <a:rPr lang="en-US"/>
+              <a:t>12.  </a:t>
+            </a:r>
             <a:r>
               <a:rPr lang="en-US" dirty="0"/>
-              <a:t>10.  Add the mechanism to your </a:t>
+              <a:t>Add the mechanism to your </a:t>
             </a:r>
             <a:r>
               <a:rPr lang="en-US" dirty="0" err="1"/>
@@ -4584,33 +4883,16 @@
           <a:p>
             <a:pPr lvl="0"/>
             <a:r>
-              <a:rPr lang="en-US" dirty="0" smtClean="0"/>
-              <a:t>       Note</a:t>
-            </a:r>
-            <a:r>
               <a:rPr lang="en-US" dirty="0"/>
-              <a:t>: DO NOT USE MULTIPLE MCM-EXTRACTED MECHANISMS SIMULTANEOUSLY! </a:t>
-            </a:r>
-            <a:endParaRPr lang="en-US" dirty="0" smtClean="0"/>
+              <a:t>       Note: DO NOT USE MULTIPLE MCM-EXTRACTED MECHANISMS SIMULTANEOUSLY! </a:t>
+            </a:r>
           </a:p>
           <a:p>
             <a:pPr lvl="0"/>
             <a:r>
               <a:rPr lang="en-US" dirty="0"/>
-              <a:t> </a:t>
-            </a:r>
-            <a:r>
-              <a:rPr lang="en-US" dirty="0" smtClean="0"/>
-              <a:t>      This </a:t>
-            </a:r>
-            <a:r>
-              <a:rPr lang="en-US" dirty="0"/>
-              <a:t>will lead to duplicate reactions.</a:t>
-            </a:r>
-          </a:p>
-          <a:p>
-            <a:pPr lvl="0"/>
-            <a:endParaRPr lang="en-US" dirty="0" smtClean="0"/>
+              <a:t>       This will lead to duplicate reactions.</a:t>
+            </a:r>
           </a:p>
           <a:p>
             <a:pPr lvl="0"/>
@@ -4618,24 +4900,20 @@
           </a:p>
           <a:p>
             <a:pPr lvl="0"/>
-            <a:r>
-              <a:rPr lang="en-US" dirty="0" smtClean="0"/>
-              <a:t>TROUBLESHOOTING: the FAC2F0AM script will sometimes  fail if the .</a:t>
-            </a:r>
-            <a:r>
-              <a:rPr lang="en-US" dirty="0" err="1" smtClean="0"/>
+            <a:endParaRPr lang="en-US" dirty="0"/>
+          </a:p>
+          <a:p>
+            <a:pPr lvl="0"/>
+            <a:r>
+              <a:rPr lang="en-US" dirty="0"/>
+              <a:t>TROUBLESHOOTING: the FAC2F0AM script will sometimes fail if the .fac file is not formatted properly, which can happen. In this case, you will need to scroll through the .</a:t>
+            </a:r>
+            <a:r>
+              <a:rPr lang="en-US" dirty="0" err="1"/>
               <a:t>fac</a:t>
             </a:r>
             <a:r>
-              <a:rPr lang="en-US" dirty="0" smtClean="0"/>
-              <a:t> file is not formatted properly, which can happen. In this case, you will need to scroll through the .</a:t>
-            </a:r>
-            <a:r>
-              <a:rPr lang="en-US" dirty="0" err="1" smtClean="0"/>
-              <a:t>fac</a:t>
-            </a:r>
-            <a:r>
-              <a:rPr lang="en-US" dirty="0" smtClean="0"/>
+              <a:rPr lang="en-US" dirty="0"/>
               <a:t> file in a text editor and fix aberrant lines.</a:t>
             </a:r>
           </a:p>
@@ -4795,13 +5073,6 @@
   <p:clrMapOvr>
     <a:masterClrMapping/>
   </p:clrMapOvr>
-  <p:timing>
-    <p:tnLst>
-      <p:par>
-        <p:cTn id="1" dur="indefinite" restart="never" nodeType="tmRoot"/>
-      </p:par>
-    </p:tnLst>
-  </p:timing>
 </p:sld>
 </file>
 
@@ -4838,10 +5109,9 @@
           <a:lstStyle/>
           <a:p>
             <a:r>
-              <a:rPr lang="en-US" dirty="0" smtClean="0"/>
+              <a:rPr lang="en-US" dirty="0"/>
               <a:t>Contents</a:t>
             </a:r>
-            <a:endParaRPr lang="en-US" dirty="0"/>
           </a:p>
         </p:txBody>
       </p:sp>
@@ -4865,7 +5135,7 @@
               <a:buAutoNum type="arabicPeriod"/>
             </a:pPr>
             <a:r>
-              <a:rPr lang="en-US" dirty="0" smtClean="0"/>
+              <a:rPr lang="en-US" dirty="0"/>
               <a:t>Using MATLAB</a:t>
             </a:r>
           </a:p>
@@ -4875,7 +5145,7 @@
               <a:buAutoNum type="arabicPeriod"/>
             </a:pPr>
             <a:r>
-              <a:rPr lang="en-US" dirty="0" smtClean="0"/>
+              <a:rPr lang="en-US" dirty="0"/>
               <a:t>Downloading and “installing” the model</a:t>
             </a:r>
           </a:p>
@@ -4885,7 +5155,7 @@
               <a:buAutoNum type="arabicPeriod"/>
             </a:pPr>
             <a:r>
-              <a:rPr lang="en-US" dirty="0" smtClean="0"/>
+              <a:rPr lang="en-US" dirty="0"/>
               <a:t>Running the examples</a:t>
             </a:r>
           </a:p>
@@ -4895,7 +5165,7 @@
               <a:buAutoNum type="arabicPeriod"/>
             </a:pPr>
             <a:r>
-              <a:rPr lang="en-US" dirty="0" smtClean="0"/>
+              <a:rPr lang="en-US" dirty="0"/>
               <a:t>Making your own setup script</a:t>
             </a:r>
           </a:p>
@@ -4905,7 +5175,7 @@
               <a:buAutoNum type="arabicPeriod"/>
             </a:pPr>
             <a:r>
-              <a:rPr lang="en-US" dirty="0" smtClean="0"/>
+              <a:rPr lang="en-US" dirty="0"/>
               <a:t>Making your own MCM sub-mechanism</a:t>
             </a:r>
           </a:p>
@@ -4969,10 +5239,9 @@
           <a:lstStyle/>
           <a:p>
             <a:r>
-              <a:rPr lang="en-US" dirty="0" smtClean="0"/>
+              <a:rPr lang="en-US" dirty="0"/>
               <a:t>Using MATLAB </a:t>
             </a:r>
-            <a:endParaRPr lang="en-US" dirty="0"/>
           </a:p>
         </p:txBody>
       </p:sp>
@@ -5002,7 +5271,7 @@
               <a:buNone/>
             </a:pPr>
             <a:r>
-              <a:rPr lang="en-US" dirty="0" smtClean="0"/>
+              <a:rPr lang="en-US" dirty="0"/>
               <a:t>Users will need some knowledge of the MATLAB language and environment. At a minimum, new users should be familiar with:</a:t>
             </a:r>
           </a:p>
@@ -5010,58 +5279,49 @@
             <a:pPr marL="0" indent="0">
               <a:buNone/>
             </a:pPr>
-            <a:endParaRPr lang="en-US" dirty="0" smtClean="0"/>
-          </a:p>
-          <a:p>
-            <a:r>
-              <a:rPr lang="en-US" dirty="0" smtClean="0"/>
+            <a:endParaRPr lang="en-US" dirty="0"/>
+          </a:p>
+          <a:p>
+            <a:r>
+              <a:rPr lang="en-US" dirty="0"/>
               <a:t>MATLAB desktop panes: Command Window, Editor, Workspace, Current Folder, Help Window</a:t>
             </a:r>
           </a:p>
           <a:p>
             <a:r>
-              <a:rPr lang="en-US" dirty="0" smtClean="0"/>
+              <a:rPr lang="en-US" dirty="0"/>
               <a:t>The MATLAB search path</a:t>
             </a:r>
           </a:p>
           <a:p>
             <a:r>
-              <a:rPr lang="en-US" dirty="0" smtClean="0"/>
+              <a:rPr lang="en-US" dirty="0"/>
               <a:t>Difference between a “script” and a “function”</a:t>
             </a:r>
           </a:p>
           <a:p>
             <a:r>
-              <a:rPr lang="en-US" dirty="0" smtClean="0"/>
-              <a:t>Variable classes: numerical arrays, character arrays (strings), logical arrays, cell </a:t>
-            </a:r>
-            <a:r>
               <a:rPr lang="en-US" dirty="0"/>
-              <a:t>a</a:t>
-            </a:r>
-            <a:r>
-              <a:rPr lang="en-US" dirty="0" smtClean="0"/>
-              <a:t>rrays, structures</a:t>
-            </a:r>
-          </a:p>
-          <a:p>
-            <a:r>
-              <a:rPr lang="en-US" dirty="0" smtClean="0"/>
+              <a:t>Variable classes: numerical arrays, character arrays (strings), logical arrays, cell arrays, structures</a:t>
+            </a:r>
+          </a:p>
+          <a:p>
+            <a:r>
+              <a:rPr lang="en-US" dirty="0"/>
               <a:t>Basic syntax: how to call a function, how to index an array, etc.</a:t>
             </a:r>
           </a:p>
           <a:p>
-            <a:endParaRPr lang="en-US" dirty="0" smtClean="0"/>
+            <a:endParaRPr lang="en-US" dirty="0"/>
           </a:p>
           <a:p>
             <a:pPr marL="0" indent="0">
               <a:buNone/>
             </a:pPr>
             <a:r>
-              <a:rPr lang="en-US" dirty="0" smtClean="0"/>
+              <a:rPr lang="en-US" dirty="0"/>
               <a:t>There are many resources available online and elsewhere for learning the basics. If nothing else, try typing “getting started” into the MATLAB help window search bar. Surprisingly enough, MATLAB Help is an excellent first stop for many questions.</a:t>
             </a:r>
-            <a:endParaRPr lang="en-US" dirty="0"/>
           </a:p>
         </p:txBody>
       </p:sp>
@@ -5111,10 +5371,9 @@
           <a:lstStyle/>
           <a:p>
             <a:r>
-              <a:rPr lang="en-US" dirty="0" smtClean="0"/>
+              <a:rPr lang="en-US" dirty="0"/>
               <a:t>Downloading F0AM</a:t>
             </a:r>
-            <a:endParaRPr lang="en-US" dirty="0"/>
           </a:p>
         </p:txBody>
       </p:sp>
@@ -5142,7 +5401,7 @@
               <a:buNone/>
             </a:pPr>
             <a:r>
-              <a:rPr lang="en-US" dirty="0" smtClean="0"/>
+              <a:rPr lang="en-US" dirty="0"/>
               <a:t>Presumably you have already figured this out if you are reading this file, but just in case…</a:t>
             </a:r>
           </a:p>
@@ -5152,17 +5411,17 @@
               <a:buAutoNum type="arabicPeriod"/>
             </a:pPr>
             <a:r>
-              <a:rPr lang="en-US" dirty="0" smtClean="0"/>
+              <a:rPr lang="en-US" dirty="0"/>
               <a:t>Go to </a:t>
             </a:r>
             <a:r>
-              <a:rPr lang="en-US" dirty="0" smtClean="0">
+              <a:rPr lang="en-US" dirty="0">
                 <a:hlinkClick r:id="rId2"/>
               </a:rPr>
               <a:t>https://sites.google.com/site/wolfegm/code-archive</a:t>
             </a:r>
             <a:r>
-              <a:rPr lang="en-US" dirty="0" smtClean="0"/>
+              <a:rPr lang="en-US" dirty="0"/>
               <a:t> and download the F0AM zip file.</a:t>
             </a:r>
           </a:p>
@@ -5172,10 +5431,9 @@
               <a:buAutoNum type="arabicPeriod"/>
             </a:pPr>
             <a:r>
-              <a:rPr lang="en-US" dirty="0" smtClean="0"/>
+              <a:rPr lang="en-US" dirty="0"/>
               <a:t>Unzip the file and put the folder somewhere that you can remember.</a:t>
             </a:r>
-            <a:endParaRPr lang="en-US" dirty="0"/>
           </a:p>
         </p:txBody>
       </p:sp>
@@ -5232,10 +5490,9 @@
           <a:lstStyle/>
           <a:p>
             <a:r>
-              <a:rPr lang="en-US" dirty="0" smtClean="0"/>
+              <a:rPr lang="en-US" dirty="0"/>
               <a:t>Adding the Model to Your Search Path</a:t>
             </a:r>
-            <a:endParaRPr lang="en-US" dirty="0"/>
           </a:p>
         </p:txBody>
       </p:sp>
@@ -5265,7 +5522,7 @@
               <a:buNone/>
             </a:pPr>
             <a:r>
-              <a:rPr lang="en-US" dirty="0" smtClean="0"/>
+              <a:rPr lang="en-US" dirty="0"/>
               <a:t>MATLAB can only “see” files that are on its search path. To add the model to your search path:</a:t>
             </a:r>
           </a:p>
@@ -5275,7 +5532,7 @@
               <a:buAutoNum type="arabicPeriod"/>
             </a:pPr>
             <a:r>
-              <a:rPr lang="en-US" dirty="0" smtClean="0"/>
+              <a:rPr lang="en-US" dirty="0"/>
               <a:t>Navigate to the F0AM folder in the Current Folder window</a:t>
             </a:r>
           </a:p>
@@ -5285,11 +5542,11 @@
               <a:buAutoNum type="arabicPeriod"/>
             </a:pPr>
             <a:r>
-              <a:rPr lang="en-US" dirty="0" smtClean="0"/>
+              <a:rPr lang="en-US" dirty="0"/>
               <a:t>Right click the folder </a:t>
             </a:r>
             <a:r>
-              <a:rPr lang="en-US" dirty="0" smtClean="0">
+              <a:rPr lang="en-US" dirty="0">
                 <a:sym typeface="Wingdings" panose="05000000000000000000" pitchFamily="2" charset="2"/>
               </a:rPr>
               <a:t> Add to Path Selected Folders and Subfolders</a:t>
@@ -5300,7 +5557,7 @@
               <a:buNone/>
             </a:pPr>
             <a:r>
-              <a:rPr lang="en-US" dirty="0" smtClean="0">
+              <a:rPr lang="en-US" dirty="0">
                 <a:sym typeface="Wingdings" panose="05000000000000000000" pitchFamily="2" charset="2"/>
               </a:rPr>
               <a:t>Alternatively, you can add the model folders by entering the following in the command window:</a:t>
@@ -5312,14 +5569,10 @@
             </a:pPr>
             <a:r>
               <a:rPr lang="en-US" dirty="0"/>
-              <a:t> </a:t>
-            </a:r>
-            <a:r>
-              <a:rPr lang="en-US" dirty="0" smtClean="0"/>
-              <a:t>    </a:t>
-            </a:r>
-            <a:r>
-              <a:rPr lang="en-US" sz="2800" dirty="0" err="1" smtClean="0">
+              <a:t>     </a:t>
+            </a:r>
+            <a:r>
+              <a:rPr lang="en-US" sz="2800" dirty="0" err="1">
                 <a:latin typeface="Arial Unicode MS" panose="020B0604020202020204" pitchFamily="34" charset="-128"/>
                 <a:ea typeface="Arial Unicode MS" panose="020B0604020202020204" pitchFamily="34" charset="-128"/>
                 <a:cs typeface="Arial Unicode MS" panose="020B0604020202020204" pitchFamily="34" charset="-128"/>
@@ -5327,7 +5580,7 @@
               <a:t>addpath</a:t>
             </a:r>
             <a:r>
-              <a:rPr lang="en-US" sz="2800" dirty="0" smtClean="0">
+              <a:rPr lang="en-US" sz="2800" dirty="0">
                 <a:latin typeface="Arial Unicode MS" panose="020B0604020202020204" pitchFamily="34" charset="-128"/>
                 <a:ea typeface="Arial Unicode MS" panose="020B0604020202020204" pitchFamily="34" charset="-128"/>
                 <a:cs typeface="Arial Unicode MS" panose="020B0604020202020204" pitchFamily="34" charset="-128"/>
@@ -5335,7 +5588,7 @@
               <a:t>(</a:t>
             </a:r>
             <a:r>
-              <a:rPr lang="en-US" sz="2800" dirty="0" err="1" smtClean="0">
+              <a:rPr lang="en-US" sz="2800" dirty="0" err="1">
                 <a:latin typeface="Arial Unicode MS" panose="020B0604020202020204" pitchFamily="34" charset="-128"/>
                 <a:ea typeface="Arial Unicode MS" panose="020B0604020202020204" pitchFamily="34" charset="-128"/>
                 <a:cs typeface="Arial Unicode MS" panose="020B0604020202020204" pitchFamily="34" charset="-128"/>
@@ -5343,7 +5596,7 @@
               <a:t>genpath</a:t>
             </a:r>
             <a:r>
-              <a:rPr lang="en-US" sz="2800" dirty="0" smtClean="0">
+              <a:rPr lang="en-US" sz="2800" dirty="0">
                 <a:latin typeface="Arial Unicode MS" panose="020B0604020202020204" pitchFamily="34" charset="-128"/>
                 <a:ea typeface="Arial Unicode MS" panose="020B0604020202020204" pitchFamily="34" charset="-128"/>
                 <a:cs typeface="Arial Unicode MS" panose="020B0604020202020204" pitchFamily="34" charset="-128"/>
@@ -5351,7 +5604,7 @@
               <a:t>(</a:t>
             </a:r>
             <a:r>
-              <a:rPr lang="en-US" sz="2800" i="1" dirty="0" smtClean="0">
+              <a:rPr lang="en-US" sz="2800" i="1" dirty="0">
                 <a:latin typeface="Arial Unicode MS" panose="020B0604020202020204" pitchFamily="34" charset="-128"/>
                 <a:ea typeface="Arial Unicode MS" panose="020B0604020202020204" pitchFamily="34" charset="-128"/>
                 <a:cs typeface="Arial Unicode MS" panose="020B0604020202020204" pitchFamily="34" charset="-128"/>
@@ -5359,7 +5612,7 @@
               <a:t>F0AMdir</a:t>
             </a:r>
             <a:r>
-              <a:rPr lang="en-US" sz="2800" dirty="0" smtClean="0">
+              <a:rPr lang="en-US" sz="2800" dirty="0">
                 <a:latin typeface="Arial Unicode MS" panose="020B0604020202020204" pitchFamily="34" charset="-128"/>
                 <a:ea typeface="Arial Unicode MS" panose="020B0604020202020204" pitchFamily="34" charset="-128"/>
                 <a:cs typeface="Arial Unicode MS" panose="020B0604020202020204" pitchFamily="34" charset="-128"/>
@@ -5372,18 +5625,18 @@
               <a:buNone/>
             </a:pPr>
             <a:r>
-              <a:rPr lang="en-US" dirty="0" smtClean="0"/>
+              <a:rPr lang="en-US" dirty="0"/>
               <a:t>Here, </a:t>
             </a:r>
             <a:r>
-              <a:rPr lang="en-US" i="1" dirty="0" smtClean="0"/>
+              <a:rPr lang="en-US" i="1" dirty="0"/>
               <a:t>F0AMdir </a:t>
             </a:r>
             <a:r>
-              <a:rPr lang="en-US" dirty="0" smtClean="0"/>
+              <a:rPr lang="en-US" dirty="0"/>
               <a:t>is the full directory name, e.g. C:\Science\F0AMv3.1.</a:t>
             </a:r>
-            <a:endParaRPr lang="en-US" dirty="0" smtClean="0">
+            <a:endParaRPr lang="en-US" dirty="0">
               <a:sym typeface="Wingdings" panose="05000000000000000000" pitchFamily="2" charset="2"/>
             </a:endParaRPr>
           </a:p>
@@ -5486,10 +5739,9 @@
           <a:lstStyle/>
           <a:p>
             <a:r>
-              <a:rPr lang="en-US" dirty="0" smtClean="0"/>
+              <a:rPr lang="en-US" dirty="0"/>
               <a:t>Notes on Search Paths</a:t>
             </a:r>
-            <a:endParaRPr lang="en-US" dirty="0"/>
           </a:p>
         </p:txBody>
       </p:sp>
@@ -5521,7 +5773,7 @@
               </a:tabLst>
             </a:pPr>
             <a:r>
-              <a:rPr lang="en-US" sz="2000" dirty="0" smtClean="0">
+              <a:rPr lang="en-US" sz="2000" dirty="0">
                 <a:sym typeface="Wingdings" panose="05000000000000000000" pitchFamily="2" charset="2"/>
               </a:rPr>
               <a:t>You can see which folders are in your search path (and add/remove/rearrange them) by going into the file menu (top of screen) and choosing “Set Path…”to get to the Set Path Dialog.</a:t>
@@ -5543,7 +5795,7 @@
                 <a:tab pos="3827463" algn="l"/>
               </a:tabLst>
             </a:pPr>
-            <a:endParaRPr lang="en-US" sz="2000" dirty="0" smtClean="0">
+            <a:endParaRPr lang="en-US" sz="2000" dirty="0">
               <a:sym typeface="Wingdings" panose="05000000000000000000" pitchFamily="2" charset="2"/>
             </a:endParaRPr>
           </a:p>
@@ -5563,17 +5815,7 @@
                 <a:tab pos="3827463" algn="l"/>
               </a:tabLst>
             </a:pPr>
-            <a:endParaRPr lang="en-US" sz="2000" dirty="0" smtClean="0">
-              <a:sym typeface="Wingdings" panose="05000000000000000000" pitchFamily="2" charset="2"/>
-            </a:endParaRPr>
-          </a:p>
-          <a:p>
-            <a:pPr>
-              <a:tabLst>
-                <a:tab pos="3827463" algn="l"/>
-              </a:tabLst>
-            </a:pPr>
-            <a:endParaRPr lang="en-US" sz="2000" dirty="0" smtClean="0">
+            <a:endParaRPr lang="en-US" sz="2000" dirty="0">
               <a:sym typeface="Wingdings" panose="05000000000000000000" pitchFamily="2" charset="2"/>
             </a:endParaRPr>
           </a:p>
@@ -5593,25 +5835,35 @@
                 <a:tab pos="3827463" algn="l"/>
               </a:tabLst>
             </a:pPr>
-            <a:endParaRPr lang="en-US" sz="2000" dirty="0" smtClean="0">
+            <a:endParaRPr lang="en-US" sz="2000" dirty="0">
               <a:sym typeface="Wingdings" panose="05000000000000000000" pitchFamily="2" charset="2"/>
             </a:endParaRPr>
           </a:p>
           <a:p>
-            <a:r>
-              <a:rPr lang="en-US" sz="2000" dirty="0" smtClean="0">
+            <a:pPr>
+              <a:tabLst>
+                <a:tab pos="3827463" algn="l"/>
+              </a:tabLst>
+            </a:pPr>
+            <a:endParaRPr lang="en-US" sz="2000" dirty="0">
+              <a:sym typeface="Wingdings" panose="05000000000000000000" pitchFamily="2" charset="2"/>
+            </a:endParaRPr>
+          </a:p>
+          <a:p>
+            <a:r>
+              <a:rPr lang="en-US" sz="2000" dirty="0">
                 <a:sym typeface="Wingdings" panose="05000000000000000000" pitchFamily="2" charset="2"/>
               </a:rPr>
               <a:t>MATLAB resets the search path every time you restart it. If you want to keep the F0AM directories on your search path, type “</a:t>
             </a:r>
             <a:r>
-              <a:rPr lang="en-US" sz="2000" dirty="0" err="1" smtClean="0">
+              <a:rPr lang="en-US" sz="2000" dirty="0" err="1">
                 <a:sym typeface="Wingdings" panose="05000000000000000000" pitchFamily="2" charset="2"/>
               </a:rPr>
               <a:t>savepath</a:t>
             </a:r>
             <a:r>
-              <a:rPr lang="en-US" sz="2000" dirty="0" smtClean="0">
+              <a:rPr lang="en-US" sz="2000" dirty="0">
                 <a:sym typeface="Wingdings" panose="05000000000000000000" pitchFamily="2" charset="2"/>
               </a:rPr>
               <a:t>” (without quotes) into the command window or use the Set Path Dialog. </a:t>
@@ -5619,22 +5871,10 @@
           </a:p>
           <a:p>
             <a:r>
-              <a:rPr lang="en-US" sz="2000" dirty="0" smtClean="0">
+              <a:rPr lang="en-US" sz="2000" dirty="0">
                 <a:sym typeface="Wingdings" panose="05000000000000000000" pitchFamily="2" charset="2"/>
               </a:rPr>
-              <a:t>MATLAB searches the folders in the set path sequentially. If you have multiple functions or scripts with the same name, only the first one (in the search path) will be called. If you think you have an error stemming from </a:t>
-            </a:r>
-            <a:r>
-              <a:rPr lang="en-US" sz="2000" dirty="0" smtClean="0">
-                <a:sym typeface="Wingdings" panose="05000000000000000000" pitchFamily="2" charset="2"/>
-              </a:rPr>
-              <a:t>shadowed file </a:t>
-            </a:r>
-            <a:r>
-              <a:rPr lang="en-US" sz="2000" dirty="0" smtClean="0">
-                <a:sym typeface="Wingdings" panose="05000000000000000000" pitchFamily="2" charset="2"/>
-              </a:rPr>
-              <a:t>names, use the “which” command to see which file is being called.</a:t>
+              <a:t>MATLAB searches the folders in the set path sequentially. If you have multiple functions or scripts with the same name, only the first one (in the search path) will be called. If you think you have an error stemming from shadowed file names, use the “which” command to see which file is being called.</a:t>
             </a:r>
           </a:p>
           <a:p>
@@ -5746,10 +5986,9 @@
           <a:lstStyle/>
           <a:p>
             <a:r>
-              <a:rPr lang="en-US" dirty="0" smtClean="0"/>
+              <a:rPr lang="en-US" dirty="0"/>
               <a:t>Running the Examples</a:t>
             </a:r>
-            <a:endParaRPr lang="en-US" dirty="0"/>
           </a:p>
         </p:txBody>
       </p:sp>
@@ -5779,46 +6018,46 @@
               <a:buNone/>
             </a:pPr>
             <a:r>
-              <a:rPr lang="en-US" dirty="0" smtClean="0"/>
+              <a:rPr lang="en-US" dirty="0"/>
               <a:t>There are five example setup scripts in the Setups/Examples/ folder:</a:t>
             </a:r>
           </a:p>
           <a:p>
             <a:pPr lvl="1"/>
             <a:r>
-              <a:rPr lang="en-US" dirty="0" err="1" smtClean="0"/>
+              <a:rPr lang="en-US" dirty="0" err="1"/>
               <a:t>ExampleSetup_Chamber.m</a:t>
             </a:r>
-            <a:endParaRPr lang="en-US" dirty="0" smtClean="0"/>
+            <a:endParaRPr lang="en-US" dirty="0"/>
           </a:p>
           <a:p>
             <a:pPr lvl="1"/>
             <a:r>
-              <a:rPr lang="en-US" dirty="0" err="1" smtClean="0"/>
+              <a:rPr lang="en-US" dirty="0" err="1"/>
               <a:t>ExampleSetup_DielCycle.m</a:t>
             </a:r>
-            <a:endParaRPr lang="en-US" dirty="0" smtClean="0"/>
+            <a:endParaRPr lang="en-US" dirty="0"/>
           </a:p>
           <a:p>
             <a:pPr lvl="1"/>
             <a:r>
-              <a:rPr lang="en-US" dirty="0" err="1" smtClean="0"/>
+              <a:rPr lang="en-US" dirty="0" err="1"/>
               <a:t>ExampleSetup_FlightSS.m</a:t>
             </a:r>
-            <a:endParaRPr lang="en-US" dirty="0" smtClean="0"/>
+            <a:endParaRPr lang="en-US" dirty="0"/>
           </a:p>
           <a:p>
             <a:pPr lvl="1"/>
             <a:r>
-              <a:rPr lang="en-US" dirty="0" err="1" smtClean="0"/>
+              <a:rPr lang="en-US" dirty="0" err="1"/>
               <a:t>ExampleSetup_LagrangianPlume.m</a:t>
             </a:r>
-            <a:endParaRPr lang="en-US" dirty="0" smtClean="0"/>
+            <a:endParaRPr lang="en-US" dirty="0"/>
           </a:p>
           <a:p>
             <a:pPr lvl="1"/>
             <a:r>
-              <a:rPr lang="en-US" dirty="0" err="1" smtClean="0"/>
+              <a:rPr lang="en-US" dirty="0" err="1"/>
               <a:t>ExampleSetup_MechCompare.m</a:t>
             </a:r>
             <a:endParaRPr lang="en-US" dirty="0"/>
@@ -5828,15 +6067,15 @@
               <a:buNone/>
             </a:pPr>
             <a:r>
-              <a:rPr lang="en-US" dirty="0" smtClean="0"/>
+              <a:rPr lang="en-US" dirty="0"/>
               <a:t>The last example shows how to loop through multiple mechanisms before calling the </a:t>
             </a:r>
             <a:r>
-              <a:rPr lang="en-US" dirty="0" err="1" smtClean="0"/>
+              <a:rPr lang="en-US" dirty="0" err="1"/>
               <a:t>FlightSS</a:t>
             </a:r>
             <a:r>
-              <a:rPr lang="en-US" dirty="0" smtClean="0"/>
+              <a:rPr lang="en-US" dirty="0"/>
               <a:t> example, so ignore it for now. </a:t>
             </a:r>
           </a:p>
@@ -5844,14 +6083,14 @@
             <a:pPr marL="0" indent="0">
               <a:buNone/>
             </a:pPr>
-            <a:endParaRPr lang="en-US" dirty="0" smtClean="0"/>
+            <a:endParaRPr lang="en-US" dirty="0"/>
           </a:p>
           <a:p>
             <a:pPr marL="0" indent="0">
               <a:buNone/>
             </a:pPr>
             <a:r>
-              <a:rPr lang="en-US" dirty="0" smtClean="0"/>
+              <a:rPr lang="en-US" dirty="0"/>
               <a:t>Try to run one of the examples: type a script name into the Command Window and hit ENTER. Some of the examples can take several minutes to execute, depending on your hardware. The example should run without errors and generate a bunch of figure windows. Next, read through the example script that you ran and try to get an understanding of the inputs and outputs. The scripts are heavily commented to walk you through the setup. The F0AM_ReadMe is also helpful here.</a:t>
             </a:r>
           </a:p>
@@ -5859,14 +6098,14 @@
             <a:pPr marL="0" indent="0">
               <a:buNone/>
             </a:pPr>
-            <a:endParaRPr lang="en-US" dirty="0" smtClean="0"/>
+            <a:endParaRPr lang="en-US" dirty="0"/>
           </a:p>
           <a:p>
             <a:pPr marL="0" indent="0">
               <a:buNone/>
             </a:pPr>
             <a:r>
-              <a:rPr lang="en-US" dirty="0" smtClean="0"/>
+              <a:rPr lang="en-US" dirty="0"/>
               <a:t>Repeat for all examples.</a:t>
             </a:r>
           </a:p>
@@ -5918,51 +6157,49 @@
           <a:lstStyle/>
           <a:p>
             <a:r>
-              <a:rPr lang="en-US" dirty="0" smtClean="0"/>
+              <a:rPr lang="en-US" dirty="0"/>
               <a:t>Making your Own Setup Script</a:t>
             </a:r>
+          </a:p>
+        </p:txBody>
+      </p:sp>
+      <p:sp>
+        <p:nvSpPr>
+          <p:cNvPr id="3" name="Content Placeholder 2"/>
+          <p:cNvSpPr>
+            <a:spLocks noGrp="1"/>
+          </p:cNvSpPr>
+          <p:nvPr>
+            <p:ph idx="1"/>
+          </p:nvPr>
+        </p:nvSpPr>
+        <p:spPr/>
+        <p:txBody>
+          <a:bodyPr/>
+          <a:lstStyle/>
+          <a:p>
+            <a:pPr marL="0" indent="0">
+              <a:buNone/>
+            </a:pPr>
+            <a:r>
+              <a:rPr lang="en-US" dirty="0"/>
+              <a:t>The example setups encompass a range of standard applications. Generally, it is easiest to start with the one that most closely matches your research problem and modify the inputs as needed. </a:t>
+            </a:r>
+          </a:p>
+          <a:p>
+            <a:pPr marL="0" indent="0">
+              <a:buNone/>
+            </a:pPr>
             <a:endParaRPr lang="en-US" dirty="0"/>
           </a:p>
-        </p:txBody>
-      </p:sp>
-      <p:sp>
-        <p:nvSpPr>
-          <p:cNvPr id="3" name="Content Placeholder 2"/>
-          <p:cNvSpPr>
-            <a:spLocks noGrp="1"/>
-          </p:cNvSpPr>
-          <p:nvPr>
-            <p:ph idx="1"/>
-          </p:nvPr>
-        </p:nvSpPr>
-        <p:spPr/>
-        <p:txBody>
-          <a:bodyPr/>
-          <a:lstStyle/>
           <a:p>
             <a:pPr marL="0" indent="0">
               <a:buNone/>
             </a:pPr>
             <a:r>
-              <a:rPr lang="en-US" dirty="0" smtClean="0"/>
-              <a:t>The example setups encompass a range of standard applications. Generally, it is easiest to start with the one that most closely matches your research problem and modify the inputs as needed. </a:t>
-            </a:r>
-          </a:p>
-          <a:p>
-            <a:pPr marL="0" indent="0">
-              <a:buNone/>
-            </a:pPr>
-            <a:endParaRPr lang="en-US" dirty="0" smtClean="0"/>
-          </a:p>
-          <a:p>
-            <a:pPr marL="0" indent="0">
-              <a:buNone/>
-            </a:pPr>
-            <a:r>
-              <a:rPr lang="en-US" dirty="0" smtClean="0"/>
+              <a:rPr lang="en-US" dirty="0"/>
               <a:t>Don’t forget to save the new script under a different name!</a:t>
             </a:r>
-            <a:endParaRPr lang="en-US" dirty="0"/>
           </a:p>
         </p:txBody>
       </p:sp>
@@ -6017,10 +6254,9 @@
           <a:lstStyle/>
           <a:p>
             <a:r>
-              <a:rPr lang="en-US" dirty="0" smtClean="0"/>
+              <a:rPr lang="en-US" dirty="0"/>
               <a:t>Troubleshooting Setups</a:t>
             </a:r>
-            <a:endParaRPr lang="en-US" dirty="0"/>
           </a:p>
         </p:txBody>
       </p:sp>
@@ -6051,46 +6287,14 @@
             </a:pPr>
             <a:r>
               <a:rPr lang="en-US" sz="2000" dirty="0"/>
-              <a:t>Errors are </a:t>
-            </a:r>
-            <a:r>
-              <a:rPr lang="en-US" sz="2000" dirty="0" smtClean="0"/>
-              <a:t>normal when running new code. </a:t>
-            </a:r>
-            <a:r>
-              <a:rPr lang="en-US" sz="2000" dirty="0" smtClean="0"/>
-              <a:t>Learning </a:t>
-            </a:r>
-            <a:r>
-              <a:rPr lang="en-US" sz="2000" dirty="0"/>
-              <a:t>to </a:t>
-            </a:r>
-            <a:r>
-              <a:rPr lang="en-US" sz="2000" dirty="0" smtClean="0"/>
-              <a:t>debug is part </a:t>
-            </a:r>
-            <a:r>
-              <a:rPr lang="en-US" sz="2000" dirty="0"/>
-              <a:t>of becoming a </a:t>
-            </a:r>
-            <a:r>
-              <a:rPr lang="en-US" sz="2000" dirty="0" smtClean="0"/>
-              <a:t>proficient </a:t>
-            </a:r>
-            <a:r>
-              <a:rPr lang="en-US" sz="2000" dirty="0" smtClean="0"/>
-              <a:t>programmer. </a:t>
-            </a:r>
-            <a:r>
-              <a:rPr lang="en-US" sz="2000" dirty="0" smtClean="0"/>
-              <a:t>Keep calm and debug like so:</a:t>
+              <a:t>Errors are normal when running new code. Learning to debug is part of becoming a proficient programmer. Keep calm and debug like so:</a:t>
             </a:r>
           </a:p>
           <a:p>
             <a:pPr marL="0" indent="0">
               <a:buNone/>
             </a:pPr>
-            <a:endParaRPr lang="en-US" sz="2400" dirty="0" smtClean="0"/>
+            <a:endParaRPr lang="en-US" sz="2400" dirty="0"/>
           </a:p>
           <a:p>
             <a:pPr marL="914400" lvl="1" indent="-514350">
@@ -6098,18 +6302,13 @@
               <a:buAutoNum type="arabicPeriod"/>
             </a:pPr>
             <a:r>
-              <a:rPr lang="en-US" sz="2000" b="1" dirty="0" smtClean="0"/>
+              <a:rPr lang="en-US" sz="2000" b="1" dirty="0"/>
               <a:t>Check for obvious errors first</a:t>
             </a:r>
             <a:r>
-              <a:rPr lang="en-US" sz="2000" dirty="0" smtClean="0"/>
-              <a:t>. The error shown above is just a </a:t>
-            </a:r>
-            <a:r>
-              <a:rPr lang="en-US" sz="2000" dirty="0" smtClean="0"/>
-              <a:t>typo (“FURFURAL_FURN” instead of “FURFURAL_FURAN”).</a:t>
-            </a:r>
-            <a:endParaRPr lang="en-US" sz="2000" dirty="0" smtClean="0"/>
+              <a:rPr lang="en-US" sz="2000" dirty="0"/>
+              <a:t>. The error shown above is just a typo (“FURFURAL_FURN” instead of “FURFURAL_FURAN”).</a:t>
+            </a:r>
           </a:p>
           <a:p>
             <a:pPr marL="914400" lvl="1" indent="-514350">
@@ -6117,11 +6316,11 @@
               <a:buAutoNum type="arabicPeriod"/>
             </a:pPr>
             <a:r>
-              <a:rPr lang="en-US" sz="2000" b="1" dirty="0" smtClean="0"/>
+              <a:rPr lang="en-US" sz="2000" b="1" dirty="0"/>
               <a:t>Read the error message </a:t>
             </a:r>
             <a:r>
-              <a:rPr lang="en-US" sz="2000" dirty="0" smtClean="0"/>
+              <a:rPr lang="en-US" sz="2000" dirty="0"/>
               <a:t>and try to decipher the problem. MATLAB usually provides clues, and F0AM includes input checking to screen out common mistakes. </a:t>
             </a:r>
           </a:p>
@@ -6131,19 +6330,19 @@
               <a:buAutoNum type="arabicPeriod"/>
             </a:pPr>
             <a:r>
-              <a:rPr lang="en-US" sz="2000" b="1" dirty="0" smtClean="0"/>
+              <a:rPr lang="en-US" sz="2000" b="1" dirty="0"/>
               <a:t>Click the link </a:t>
             </a:r>
             <a:r>
-              <a:rPr lang="en-US" sz="2000" dirty="0" smtClean="0"/>
+              <a:rPr lang="en-US" sz="2000" dirty="0"/>
               <a:t>to go to the error location. Insert a breakpoint and run the code to this point, then look at the variables in the local workspace to find issues (wrong size, wrong type, </a:t>
             </a:r>
             <a:r>
-              <a:rPr lang="en-US" sz="2000" dirty="0" err="1" smtClean="0"/>
+              <a:rPr lang="en-US" sz="2000" dirty="0" err="1"/>
               <a:t>NaNs</a:t>
             </a:r>
             <a:r>
-              <a:rPr lang="en-US" sz="2000" dirty="0" smtClean="0"/>
+              <a:rPr lang="en-US" sz="2000" dirty="0"/>
               <a:t>, etc.).</a:t>
             </a:r>
           </a:p>
@@ -6153,11 +6352,11 @@
               <a:buAutoNum type="arabicPeriod"/>
             </a:pPr>
             <a:r>
-              <a:rPr lang="en-US" sz="2000" b="1" dirty="0" smtClean="0"/>
+              <a:rPr lang="en-US" sz="2000" b="1" dirty="0"/>
               <a:t>Ask someone for help</a:t>
             </a:r>
             <a:r>
-              <a:rPr lang="en-US" sz="2000" dirty="0" smtClean="0"/>
+              <a:rPr lang="en-US" sz="2000" dirty="0"/>
               <a:t>, but only after you’ve tried to debug yourself.</a:t>
             </a:r>
           </a:p>
